--- a/Challenge Presentation.pptx
+++ b/Challenge Presentation.pptx
@@ -617,7 +617,7 @@
           <a:p>
             <a:pPr lvl="0"/>
             <a:fld id="{42BA9B41-DA04-4F58-AA74-4B9472D731E1}" type="slidenum">
-              <a:t>‹#›</a:t>
+              <a:t>‹Nr.›</a:t>
             </a:fld>
             <a:endParaRPr lang="de-DE"/>
           </a:p>
@@ -854,7 +854,7 @@
           <a:p>
             <a:pPr lvl="0"/>
             <a:fld id="{0239BA78-B16C-4AAC-A728-AEFC4703D0AD}" type="slidenum">
-              <a:t>‹#›</a:t>
+              <a:t>‹Nr.›</a:t>
             </a:fld>
             <a:endParaRPr lang="de-DE"/>
           </a:p>
@@ -1100,7 +1100,7 @@
           <a:p>
             <a:pPr lvl="0"/>
             <a:fld id="{0CD7FD27-A706-4453-B1B4-C9E5F3579808}" type="slidenum">
-              <a:t>‹#›</a:t>
+              <a:t>‹Nr.›</a:t>
             </a:fld>
             <a:endParaRPr lang="de-DE"/>
           </a:p>
@@ -1336,7 +1336,7 @@
           <a:p>
             <a:pPr lvl="0"/>
             <a:fld id="{1368AC57-4802-4BF3-803F-BD5FC90033A4}" type="slidenum">
-              <a:t>‹#›</a:t>
+              <a:t>‹Nr.›</a:t>
             </a:fld>
             <a:endParaRPr lang="de-DE"/>
           </a:p>
@@ -1547,7 +1547,7 @@
           <a:p>
             <a:pPr lvl="0"/>
             <a:fld id="{51F48843-55FE-4C4C-88D4-6BB9C8C8739F}" type="slidenum">
-              <a:t>‹#›</a:t>
+              <a:t>‹Nr.›</a:t>
             </a:fld>
             <a:endParaRPr lang="de-DE"/>
           </a:p>
@@ -1867,7 +1867,7 @@
           <a:p>
             <a:pPr lvl="0"/>
             <a:fld id="{B3B730D7-8C0C-41EF-A169-230F34CE8E1B}" type="slidenum">
-              <a:t>‹#›</a:t>
+              <a:t>‹Nr.›</a:t>
             </a:fld>
             <a:endParaRPr lang="de-DE"/>
           </a:p>
@@ -2270,7 +2270,7 @@
           <a:p>
             <a:pPr lvl="0"/>
             <a:fld id="{428E59DF-F9A7-45CE-8399-C79E79CD0A0A}" type="slidenum">
-              <a:t>‹#›</a:t>
+              <a:t>‹Nr.›</a:t>
             </a:fld>
             <a:endParaRPr lang="de-DE"/>
           </a:p>
@@ -2432,7 +2432,7 @@
           <a:p>
             <a:pPr lvl="0"/>
             <a:fld id="{32E3A4B9-CB0E-4BCE-965A-6882450B5A44}" type="slidenum">
-              <a:t>‹#›</a:t>
+              <a:t>‹Nr.›</a:t>
             </a:fld>
             <a:endParaRPr lang="de-DE"/>
           </a:p>
@@ -2560,7 +2560,7 @@
           <a:p>
             <a:pPr lvl="0"/>
             <a:fld id="{BBF9BF89-8DF7-462F-83A4-379B16AADBA8}" type="slidenum">
-              <a:t>‹#›</a:t>
+              <a:t>‹Nr.›</a:t>
             </a:fld>
             <a:endParaRPr lang="de-DE"/>
           </a:p>
@@ -2845,7 +2845,7 @@
           <a:p>
             <a:pPr lvl="0"/>
             <a:fld id="{559A422C-B82B-4A46-AF36-EC65498404E3}" type="slidenum">
-              <a:t>‹#›</a:t>
+              <a:t>‹Nr.›</a:t>
             </a:fld>
             <a:endParaRPr lang="de-DE"/>
           </a:p>
@@ -3087,7 +3087,7 @@
           <a:p>
             <a:pPr lvl="0"/>
             <a:fld id="{7C81FA7C-24F3-48DB-B8D8-D9C88B2EA174}" type="slidenum">
-              <a:t>‹#›</a:t>
+              <a:t>‹Nr.›</a:t>
             </a:fld>
             <a:endParaRPr lang="de-DE"/>
           </a:p>
@@ -3432,7 +3432,7 @@
           <a:p>
             <a:pPr lvl="0"/>
             <a:fld id="{874B1260-3206-49A4-AB81-18C63B89D944}" type="slidenum">
-              <a:t>‹#›</a:t>
+              <a:t>‹Nr.›</a:t>
             </a:fld>
             <a:endParaRPr lang="de-DE"/>
           </a:p>
@@ -3993,18 +3993,314 @@
           <a:p>
             <a:pPr lvl="0"/>
             <a:r>
-              <a:rPr lang="de-AT"/>
-              <a:t>With 300 estimators, a learning rate of 0.1 and a max_depth of 3 the resulting confusion matrix and savings are: </a:t>
-            </a:r>
+              <a:rPr lang="de-AT" dirty="0" err="1"/>
+              <a:t>With</a:t>
+            </a:r>
+            <a:r>
+              <a:rPr lang="de-AT" dirty="0"/>
+              <a:t> 400 </a:t>
+            </a:r>
+            <a:r>
+              <a:rPr lang="de-AT" dirty="0" err="1"/>
+              <a:t>estimators</a:t>
+            </a:r>
+            <a:r>
+              <a:rPr lang="de-AT" dirty="0"/>
+              <a:t>, a </a:t>
+            </a:r>
+            <a:r>
+              <a:rPr lang="de-AT" dirty="0" err="1"/>
+              <a:t>learning</a:t>
+            </a:r>
+            <a:r>
+              <a:rPr lang="de-AT" dirty="0"/>
+              <a:t> rate </a:t>
+            </a:r>
+            <a:r>
+              <a:rPr lang="de-AT" dirty="0" err="1"/>
+              <a:t>of</a:t>
+            </a:r>
+            <a:r>
+              <a:rPr lang="de-AT" dirty="0"/>
+              <a:t> 0.1 and a </a:t>
+            </a:r>
+            <a:r>
+              <a:rPr lang="de-AT" dirty="0" err="1"/>
+              <a:t>max_depth</a:t>
+            </a:r>
+            <a:r>
+              <a:rPr lang="de-AT" dirty="0"/>
+              <a:t> </a:t>
+            </a:r>
+            <a:r>
+              <a:rPr lang="de-AT" dirty="0" err="1"/>
+              <a:t>of</a:t>
+            </a:r>
+            <a:r>
+              <a:rPr lang="de-AT" dirty="0"/>
+              <a:t> 4 </a:t>
+            </a:r>
+            <a:r>
+              <a:rPr lang="de-AT" dirty="0" err="1"/>
+              <a:t>the</a:t>
+            </a:r>
+            <a:r>
+              <a:rPr lang="de-AT" dirty="0"/>
+              <a:t> </a:t>
+            </a:r>
+            <a:r>
+              <a:rPr lang="de-AT" dirty="0" err="1"/>
+              <a:t>resulting</a:t>
+            </a:r>
+            <a:r>
+              <a:rPr lang="de-AT" dirty="0"/>
+              <a:t> </a:t>
+            </a:r>
+            <a:r>
+              <a:rPr lang="de-AT" dirty="0" err="1"/>
+              <a:t>confusion</a:t>
+            </a:r>
+            <a:r>
+              <a:rPr lang="de-AT" dirty="0"/>
+              <a:t> </a:t>
+            </a:r>
+            <a:r>
+              <a:rPr lang="de-AT" dirty="0" err="1"/>
+              <a:t>matrix</a:t>
+            </a:r>
+            <a:r>
+              <a:rPr lang="de-AT" dirty="0"/>
+              <a:t> and </a:t>
+            </a:r>
+            <a:r>
+              <a:rPr lang="de-AT" dirty="0" err="1"/>
+              <a:t>savings</a:t>
+            </a:r>
+            <a:r>
+              <a:rPr lang="de-AT" dirty="0"/>
+              <a:t> </a:t>
+            </a:r>
+            <a:r>
+              <a:rPr lang="de-AT" dirty="0" err="1"/>
+              <a:t>are</a:t>
+            </a:r>
+            <a:r>
+              <a:rPr lang="de-AT" dirty="0"/>
+              <a:t>:</a:t>
+            </a:r>
+          </a:p>
+          <a:p>
+            <a:pPr lvl="0"/>
+            <a:r>
+              <a:rPr lang="de-AT" dirty="0" err="1"/>
+              <a:t>We</a:t>
+            </a:r>
+            <a:r>
+              <a:rPr lang="de-AT" dirty="0"/>
+              <a:t> </a:t>
+            </a:r>
+            <a:r>
+              <a:rPr lang="de-AT" dirty="0" err="1"/>
+              <a:t>can</a:t>
+            </a:r>
+            <a:r>
+              <a:rPr lang="de-AT" dirty="0"/>
+              <a:t> </a:t>
+            </a:r>
+            <a:r>
+              <a:rPr lang="de-AT" dirty="0" err="1"/>
+              <a:t>see</a:t>
+            </a:r>
+            <a:r>
+              <a:rPr lang="de-AT" dirty="0"/>
+              <a:t> </a:t>
+            </a:r>
+            <a:r>
+              <a:rPr lang="de-AT" dirty="0" err="1"/>
+              <a:t>that</a:t>
+            </a:r>
+            <a:r>
+              <a:rPr lang="de-AT" dirty="0"/>
+              <a:t> </a:t>
+            </a:r>
+            <a:r>
+              <a:rPr lang="de-AT" dirty="0" err="1"/>
+              <a:t>the</a:t>
+            </a:r>
+            <a:r>
+              <a:rPr lang="de-AT" dirty="0"/>
+              <a:t> </a:t>
+            </a:r>
+            <a:r>
+              <a:rPr lang="de-AT" dirty="0" err="1"/>
+              <a:t>classifier</a:t>
+            </a:r>
+            <a:r>
+              <a:rPr lang="de-AT" dirty="0"/>
+              <a:t> was </a:t>
+            </a:r>
+            <a:r>
+              <a:rPr lang="de-AT" dirty="0" err="1"/>
+              <a:t>able</a:t>
+            </a:r>
+            <a:br>
+              <a:rPr lang="de-AT" dirty="0"/>
+            </a:br>
+            <a:r>
+              <a:rPr lang="de-AT" dirty="0" err="1"/>
+              <a:t>to</a:t>
+            </a:r>
+            <a:r>
+              <a:rPr lang="de-AT" dirty="0"/>
+              <a:t> </a:t>
+            </a:r>
+            <a:r>
+              <a:rPr lang="de-AT" dirty="0" err="1"/>
+              <a:t>detect</a:t>
+            </a:r>
+            <a:r>
+              <a:rPr lang="de-AT" dirty="0"/>
+              <a:t> </a:t>
+            </a:r>
+            <a:r>
+              <a:rPr lang="de-AT" dirty="0" err="1"/>
+              <a:t>some</a:t>
+            </a:r>
+            <a:r>
+              <a:rPr lang="de-AT" dirty="0"/>
+              <a:t> </a:t>
+            </a:r>
+            <a:r>
+              <a:rPr lang="de-AT" dirty="0" err="1"/>
+              <a:t>of</a:t>
+            </a:r>
+            <a:r>
+              <a:rPr lang="de-AT" dirty="0"/>
+              <a:t> </a:t>
+            </a:r>
+            <a:r>
+              <a:rPr lang="de-AT" dirty="0" err="1"/>
+              <a:t>the</a:t>
+            </a:r>
+            <a:r>
+              <a:rPr lang="de-AT" dirty="0"/>
+              <a:t> </a:t>
+            </a:r>
+            <a:r>
+              <a:rPr lang="de-AT" dirty="0" err="1"/>
+              <a:t>classes</a:t>
+            </a:r>
+            <a:r>
+              <a:rPr lang="de-AT" dirty="0"/>
+              <a:t> </a:t>
+            </a:r>
+            <a:r>
+              <a:rPr lang="de-AT" dirty="0" err="1"/>
+              <a:t>rather</a:t>
+            </a:r>
+            <a:br>
+              <a:rPr lang="de-AT" dirty="0"/>
+            </a:br>
+            <a:r>
+              <a:rPr lang="de-AT" dirty="0" err="1"/>
+              <a:t>good</a:t>
+            </a:r>
+            <a:r>
+              <a:rPr lang="de-AT" dirty="0"/>
+              <a:t>, but in </a:t>
+            </a:r>
+            <a:r>
+              <a:rPr lang="de-AT" dirty="0" err="1"/>
+              <a:t>comparison</a:t>
+            </a:r>
+            <a:r>
+              <a:rPr lang="de-AT" dirty="0"/>
+              <a:t> </a:t>
+            </a:r>
+            <a:r>
+              <a:rPr lang="de-AT" dirty="0" err="1"/>
+              <a:t>to</a:t>
+            </a:r>
+            <a:r>
+              <a:rPr lang="de-AT" dirty="0"/>
+              <a:t> </a:t>
+            </a:r>
+            <a:r>
+              <a:rPr lang="de-AT" dirty="0" err="1"/>
+              <a:t>some</a:t>
+            </a:r>
+            <a:r>
+              <a:rPr lang="de-AT" dirty="0"/>
+              <a:t> </a:t>
+            </a:r>
+            <a:r>
+              <a:rPr lang="de-AT" dirty="0" err="1"/>
+              <a:t>of</a:t>
+            </a:r>
+            <a:r>
+              <a:rPr lang="de-AT" dirty="0"/>
+              <a:t> </a:t>
+            </a:r>
+            <a:br>
+              <a:rPr lang="de-AT" dirty="0"/>
+            </a:br>
+            <a:r>
+              <a:rPr lang="de-AT" dirty="0" err="1"/>
+              <a:t>our</a:t>
+            </a:r>
+            <a:r>
+              <a:rPr lang="de-AT" dirty="0"/>
+              <a:t> </a:t>
+            </a:r>
+            <a:r>
+              <a:rPr lang="de-AT" dirty="0" err="1"/>
+              <a:t>other</a:t>
+            </a:r>
+            <a:r>
+              <a:rPr lang="de-AT" dirty="0"/>
+              <a:t> </a:t>
+            </a:r>
+            <a:r>
+              <a:rPr lang="de-AT" dirty="0" err="1"/>
+              <a:t>models</a:t>
+            </a:r>
+            <a:r>
+              <a:rPr lang="de-AT" dirty="0"/>
+              <a:t> </a:t>
+            </a:r>
+            <a:r>
+              <a:rPr lang="de-AT" dirty="0" err="1"/>
+              <a:t>the</a:t>
+            </a:r>
+            <a:r>
+              <a:rPr lang="de-AT" dirty="0"/>
+              <a:t> </a:t>
+            </a:r>
+            <a:r>
+              <a:rPr lang="de-AT" dirty="0" err="1"/>
+              <a:t>performance</a:t>
+            </a:r>
+            <a:r>
+              <a:rPr lang="de-AT" dirty="0"/>
+              <a:t> was</a:t>
+            </a:r>
+            <a:br>
+              <a:rPr lang="de-AT" dirty="0"/>
+            </a:br>
+            <a:r>
+              <a:rPr lang="de-AT" dirty="0" err="1"/>
+              <a:t>worse</a:t>
+            </a:r>
+            <a:endParaRPr lang="de-AT" dirty="0"/>
           </a:p>
         </p:txBody>
       </p:sp>
       <p:pic>
         <p:nvPicPr>
-          <p:cNvPr id="4" name="Grafik 4">
-            <a:extLst>
-              <a:ext uri="{FF2B5EF4-FFF2-40B4-BE49-F238E27FC236}">
-                <a16:creationId xmlns:a16="http://schemas.microsoft.com/office/drawing/2014/main" id="{A8D6573D-30E7-A816-9146-4A9142980FB5}"/>
+          <p:cNvPr id="6" name="Grafik 5">
+            <a:extLst>
+              <a:ext uri="{FF2B5EF4-FFF2-40B4-BE49-F238E27FC236}">
+                <a16:creationId xmlns:a16="http://schemas.microsoft.com/office/drawing/2014/main" id="{542DFE12-B700-D281-E6DC-A2CB752DC96A}"/>
               </a:ext>
             </a:extLst>
           </p:cNvPr>
@@ -4021,16 +4317,12 @@
         </p:blipFill>
         <p:spPr>
           <a:xfrm>
-            <a:off x="3832204" y="2802407"/>
-            <a:ext cx="4104083" cy="3374556"/>
+            <a:off x="6917321" y="2829168"/>
+            <a:ext cx="4312443" cy="3547081"/>
           </a:xfrm>
           <a:prstGeom prst="rect">
             <a:avLst/>
           </a:prstGeom>
-          <a:noFill/>
-          <a:ln cap="flat">
-            <a:noFill/>
-          </a:ln>
         </p:spPr>
       </p:pic>
     </p:spTree>
@@ -7023,36 +7315,533 @@
           <a:p>
             <a:pPr lvl="0"/>
             <a:r>
-              <a:rPr lang="de-AT"/>
-              <a:t>To account for the inbalance of classes, sample weights were calculated to give a higher importance to samples of classes that don‘t occur that often</a:t>
-            </a:r>
-          </a:p>
-          <a:p>
-            <a:pPr lvl="0"/>
-            <a:r>
-              <a:rPr lang="de-AT"/>
-              <a:t>These class weights were calculated by taking the reciprocal value of the number of times each class occured in the data set</a:t>
-            </a:r>
-          </a:p>
-          <a:p>
-            <a:pPr lvl="0"/>
-            <a:r>
-              <a:rPr lang="de-AT"/>
-              <a:t>After deviding the weights by 2 and </a:t>
+              <a:rPr lang="de-AT" dirty="0" err="1"/>
+              <a:t>To</a:t>
+            </a:r>
+            <a:r>
+              <a:rPr lang="de-AT" dirty="0"/>
+              <a:t> </a:t>
+            </a:r>
+            <a:r>
+              <a:rPr lang="de-AT" dirty="0" err="1"/>
+              <a:t>account</a:t>
+            </a:r>
+            <a:r>
+              <a:rPr lang="de-AT" dirty="0"/>
+              <a:t> </a:t>
+            </a:r>
+            <a:r>
+              <a:rPr lang="de-AT" dirty="0" err="1"/>
+              <a:t>for</a:t>
+            </a:r>
+            <a:r>
+              <a:rPr lang="de-AT" dirty="0"/>
+              <a:t> </a:t>
+            </a:r>
+            <a:r>
+              <a:rPr lang="de-AT" dirty="0" err="1"/>
+              <a:t>the</a:t>
+            </a:r>
+            <a:r>
+              <a:rPr lang="de-AT" dirty="0"/>
+              <a:t> </a:t>
+            </a:r>
+            <a:r>
+              <a:rPr lang="de-AT" dirty="0" err="1"/>
+              <a:t>inbalance</a:t>
+            </a:r>
+            <a:r>
+              <a:rPr lang="de-AT" dirty="0"/>
+              <a:t> </a:t>
+            </a:r>
+            <a:r>
+              <a:rPr lang="de-AT" dirty="0" err="1"/>
+              <a:t>of</a:t>
+            </a:r>
+            <a:r>
+              <a:rPr lang="de-AT" dirty="0"/>
+              <a:t> </a:t>
+            </a:r>
+            <a:r>
+              <a:rPr lang="de-AT" dirty="0" err="1"/>
+              <a:t>classes</a:t>
+            </a:r>
+            <a:r>
+              <a:rPr lang="de-AT" dirty="0"/>
+              <a:t>, sample </a:t>
+            </a:r>
+            <a:r>
+              <a:rPr lang="de-AT" dirty="0" err="1"/>
+              <a:t>weights</a:t>
+            </a:r>
+            <a:r>
+              <a:rPr lang="de-AT" dirty="0"/>
+              <a:t> </a:t>
+            </a:r>
+            <a:r>
+              <a:rPr lang="de-AT" dirty="0" err="1"/>
+              <a:t>were</a:t>
+            </a:r>
+            <a:r>
+              <a:rPr lang="de-AT" dirty="0"/>
+              <a:t> </a:t>
+            </a:r>
+            <a:r>
+              <a:rPr lang="de-AT" dirty="0" err="1"/>
+              <a:t>calculated</a:t>
+            </a:r>
+            <a:r>
+              <a:rPr lang="de-AT" dirty="0"/>
+              <a:t> </a:t>
+            </a:r>
+            <a:r>
+              <a:rPr lang="de-AT" dirty="0" err="1"/>
+              <a:t>to</a:t>
+            </a:r>
+            <a:r>
+              <a:rPr lang="de-AT" dirty="0"/>
+              <a:t> </a:t>
+            </a:r>
+            <a:r>
+              <a:rPr lang="de-AT" dirty="0" err="1"/>
+              <a:t>give</a:t>
+            </a:r>
+            <a:r>
+              <a:rPr lang="de-AT" dirty="0"/>
+              <a:t> a </a:t>
+            </a:r>
+            <a:r>
+              <a:rPr lang="de-AT" dirty="0" err="1"/>
+              <a:t>higher</a:t>
+            </a:r>
+            <a:r>
+              <a:rPr lang="de-AT" dirty="0"/>
+              <a:t> </a:t>
+            </a:r>
+            <a:r>
+              <a:rPr lang="de-AT" dirty="0" err="1"/>
+              <a:t>importance</a:t>
+            </a:r>
+            <a:r>
+              <a:rPr lang="de-AT" dirty="0"/>
+              <a:t> </a:t>
+            </a:r>
+            <a:r>
+              <a:rPr lang="de-AT" dirty="0" err="1"/>
+              <a:t>to</a:t>
+            </a:r>
+            <a:r>
+              <a:rPr lang="de-AT" dirty="0"/>
+              <a:t> </a:t>
+            </a:r>
+            <a:r>
+              <a:rPr lang="de-AT" dirty="0" err="1"/>
+              <a:t>samples</a:t>
+            </a:r>
+            <a:r>
+              <a:rPr lang="de-AT" dirty="0"/>
+              <a:t> </a:t>
+            </a:r>
+            <a:r>
+              <a:rPr lang="de-AT" dirty="0" err="1"/>
+              <a:t>of</a:t>
+            </a:r>
+            <a:r>
+              <a:rPr lang="de-AT" dirty="0"/>
+              <a:t> </a:t>
+            </a:r>
+            <a:r>
+              <a:rPr lang="de-AT" dirty="0" err="1"/>
+              <a:t>classes</a:t>
+            </a:r>
+            <a:r>
+              <a:rPr lang="de-AT" dirty="0"/>
+              <a:t> </a:t>
+            </a:r>
+            <a:r>
+              <a:rPr lang="de-AT" dirty="0" err="1"/>
+              <a:t>that</a:t>
+            </a:r>
+            <a:r>
+              <a:rPr lang="de-AT" dirty="0"/>
+              <a:t> </a:t>
+            </a:r>
+            <a:r>
+              <a:rPr lang="de-AT" dirty="0" err="1"/>
+              <a:t>don‘t</a:t>
+            </a:r>
+            <a:r>
+              <a:rPr lang="de-AT" dirty="0"/>
+              <a:t> </a:t>
+            </a:r>
+            <a:r>
+              <a:rPr lang="de-AT" dirty="0" err="1"/>
+              <a:t>occur</a:t>
+            </a:r>
+            <a:r>
+              <a:rPr lang="de-AT" dirty="0"/>
+              <a:t> </a:t>
+            </a:r>
+            <a:r>
+              <a:rPr lang="de-AT" dirty="0" err="1"/>
+              <a:t>that</a:t>
+            </a:r>
+            <a:r>
+              <a:rPr lang="de-AT" dirty="0"/>
+              <a:t> </a:t>
+            </a:r>
+            <a:r>
+              <a:rPr lang="de-AT" dirty="0" err="1"/>
+              <a:t>often</a:t>
+            </a:r>
+            <a:endParaRPr lang="de-AT" dirty="0"/>
+          </a:p>
+          <a:p>
+            <a:pPr lvl="0"/>
+            <a:r>
+              <a:rPr lang="de-AT" dirty="0"/>
+              <a:t>These </a:t>
+            </a:r>
+            <a:r>
+              <a:rPr lang="de-AT" dirty="0" err="1"/>
+              <a:t>class</a:t>
+            </a:r>
+            <a:r>
+              <a:rPr lang="de-AT" dirty="0"/>
+              <a:t> </a:t>
+            </a:r>
+            <a:r>
+              <a:rPr lang="de-AT" dirty="0" err="1"/>
+              <a:t>weights</a:t>
+            </a:r>
+            <a:r>
+              <a:rPr lang="de-AT" dirty="0"/>
+              <a:t> </a:t>
+            </a:r>
+            <a:r>
+              <a:rPr lang="de-AT" dirty="0" err="1"/>
+              <a:t>were</a:t>
+            </a:r>
+            <a:r>
+              <a:rPr lang="de-AT" dirty="0"/>
+              <a:t> </a:t>
+            </a:r>
+            <a:r>
+              <a:rPr lang="de-AT" dirty="0" err="1"/>
+              <a:t>calculated</a:t>
+            </a:r>
+            <a:r>
+              <a:rPr lang="de-AT" dirty="0"/>
+              <a:t> </a:t>
+            </a:r>
+            <a:r>
+              <a:rPr lang="de-AT" dirty="0" err="1"/>
+              <a:t>by</a:t>
+            </a:r>
+            <a:r>
+              <a:rPr lang="de-AT" dirty="0"/>
+              <a:t> </a:t>
+            </a:r>
+            <a:r>
+              <a:rPr lang="de-AT" dirty="0" err="1"/>
+              <a:t>taking</a:t>
+            </a:r>
+            <a:r>
+              <a:rPr lang="de-AT" dirty="0"/>
+              <a:t> </a:t>
+            </a:r>
+            <a:r>
+              <a:rPr lang="de-AT" dirty="0" err="1"/>
+              <a:t>the</a:t>
+            </a:r>
+            <a:r>
+              <a:rPr lang="de-AT" dirty="0"/>
+              <a:t> </a:t>
+            </a:r>
+            <a:r>
+              <a:rPr lang="de-AT" dirty="0" err="1"/>
+              <a:t>reciprocal</a:t>
+            </a:r>
+            <a:r>
+              <a:rPr lang="de-AT" dirty="0"/>
+              <a:t> </a:t>
+            </a:r>
+            <a:r>
+              <a:rPr lang="de-AT" dirty="0" err="1"/>
+              <a:t>value</a:t>
+            </a:r>
+            <a:r>
+              <a:rPr lang="de-AT" dirty="0"/>
+              <a:t> </a:t>
+            </a:r>
+            <a:r>
+              <a:rPr lang="de-AT" dirty="0" err="1"/>
+              <a:t>of</a:t>
+            </a:r>
+            <a:r>
+              <a:rPr lang="de-AT" dirty="0"/>
+              <a:t> </a:t>
+            </a:r>
+            <a:r>
+              <a:rPr lang="de-AT" dirty="0" err="1"/>
+              <a:t>the</a:t>
+            </a:r>
+            <a:r>
+              <a:rPr lang="de-AT" dirty="0"/>
+              <a:t> </a:t>
+            </a:r>
+            <a:r>
+              <a:rPr lang="de-AT" dirty="0" err="1"/>
+              <a:t>number</a:t>
+            </a:r>
+            <a:r>
+              <a:rPr lang="de-AT" dirty="0"/>
+              <a:t> </a:t>
+            </a:r>
+            <a:r>
+              <a:rPr lang="de-AT" dirty="0" err="1"/>
+              <a:t>of</a:t>
+            </a:r>
+            <a:r>
+              <a:rPr lang="de-AT" dirty="0"/>
+              <a:t> </a:t>
+            </a:r>
+            <a:r>
+              <a:rPr lang="de-AT" dirty="0" err="1"/>
+              <a:t>times</a:t>
+            </a:r>
+            <a:r>
+              <a:rPr lang="de-AT" dirty="0"/>
+              <a:t> </a:t>
+            </a:r>
+            <a:r>
+              <a:rPr lang="de-AT" dirty="0" err="1"/>
+              <a:t>each</a:t>
+            </a:r>
+            <a:r>
+              <a:rPr lang="de-AT" dirty="0"/>
+              <a:t> </a:t>
+            </a:r>
+            <a:r>
+              <a:rPr lang="de-AT" dirty="0" err="1"/>
+              <a:t>class</a:t>
+            </a:r>
+            <a:r>
+              <a:rPr lang="de-AT" dirty="0"/>
+              <a:t> </a:t>
+            </a:r>
+            <a:r>
+              <a:rPr lang="de-AT" dirty="0" err="1"/>
+              <a:t>occured</a:t>
+            </a:r>
+            <a:r>
+              <a:rPr lang="de-AT" dirty="0"/>
+              <a:t> in </a:t>
+            </a:r>
+            <a:r>
+              <a:rPr lang="de-AT" dirty="0" err="1"/>
+              <a:t>the</a:t>
+            </a:r>
+            <a:r>
+              <a:rPr lang="de-AT" dirty="0"/>
+              <a:t> </a:t>
+            </a:r>
+            <a:r>
+              <a:rPr lang="de-AT" dirty="0" err="1"/>
+              <a:t>data</a:t>
+            </a:r>
+            <a:r>
+              <a:rPr lang="de-AT" dirty="0"/>
+              <a:t> </a:t>
+            </a:r>
+            <a:r>
+              <a:rPr lang="de-AT" dirty="0" err="1"/>
+              <a:t>set</a:t>
+            </a:r>
+            <a:endParaRPr lang="de-AT" dirty="0"/>
+          </a:p>
+          <a:p>
+            <a:pPr lvl="0"/>
+            <a:r>
+              <a:rPr lang="de-AT" dirty="0"/>
+              <a:t>After </a:t>
+            </a:r>
+            <a:r>
+              <a:rPr lang="de-AT" dirty="0" err="1"/>
+              <a:t>deviding</a:t>
+            </a:r>
+            <a:r>
+              <a:rPr lang="de-AT" dirty="0"/>
+              <a:t> </a:t>
+            </a:r>
+            <a:r>
+              <a:rPr lang="de-AT" dirty="0" err="1"/>
+              <a:t>the</a:t>
+            </a:r>
+            <a:r>
+              <a:rPr lang="de-AT" dirty="0"/>
+              <a:t> </a:t>
+            </a:r>
+            <a:r>
+              <a:rPr lang="de-AT" dirty="0" err="1"/>
+              <a:t>weights</a:t>
+            </a:r>
+            <a:r>
+              <a:rPr lang="de-AT" dirty="0"/>
+              <a:t> </a:t>
+            </a:r>
+            <a:r>
+              <a:rPr lang="de-AT" dirty="0" err="1"/>
+              <a:t>by</a:t>
+            </a:r>
+            <a:r>
+              <a:rPr lang="de-AT" dirty="0"/>
+              <a:t> 2 and </a:t>
             </a:r>
             <a:br>
-              <a:rPr lang="de-AT"/>
+              <a:rPr lang="de-AT" dirty="0"/>
             </a:br>
             <a:r>
-              <a:rPr lang="de-AT"/>
-              <a:t>setting the weight for class 2 to 2 the </a:t>
+              <a:rPr lang="de-AT" dirty="0" err="1"/>
+              <a:t>setting</a:t>
+            </a:r>
+            <a:r>
+              <a:rPr lang="de-AT" dirty="0"/>
+              <a:t> </a:t>
+            </a:r>
+            <a:r>
+              <a:rPr lang="de-AT" dirty="0" err="1"/>
+              <a:t>the</a:t>
+            </a:r>
+            <a:r>
+              <a:rPr lang="de-AT" dirty="0"/>
+              <a:t> </a:t>
+            </a:r>
+            <a:r>
+              <a:rPr lang="de-AT" dirty="0" err="1"/>
+              <a:t>weight</a:t>
+            </a:r>
+            <a:r>
+              <a:rPr lang="de-AT" dirty="0"/>
+              <a:t> </a:t>
+            </a:r>
+            <a:r>
+              <a:rPr lang="de-AT" dirty="0" err="1"/>
+              <a:t>for</a:t>
+            </a:r>
+            <a:r>
+              <a:rPr lang="de-AT" dirty="0"/>
+              <a:t> </a:t>
+            </a:r>
+            <a:r>
+              <a:rPr lang="de-AT" dirty="0" err="1"/>
+              <a:t>class</a:t>
+            </a:r>
+            <a:r>
+              <a:rPr lang="de-AT" dirty="0"/>
+              <a:t> 0 </a:t>
+            </a:r>
+            <a:r>
+              <a:rPr lang="de-AT" dirty="0" err="1"/>
+              <a:t>to</a:t>
+            </a:r>
+            <a:r>
+              <a:rPr lang="de-AT" dirty="0"/>
+              <a:t> 2 (</a:t>
+            </a:r>
+            <a:r>
+              <a:rPr lang="de-AT" dirty="0" err="1"/>
+              <a:t>as</a:t>
+            </a:r>
+            <a:r>
+              <a:rPr lang="de-AT" dirty="0"/>
+              <a:t> </a:t>
             </a:r>
             <a:br>
-              <a:rPr lang="de-AT"/>
+              <a:rPr lang="de-AT" dirty="0"/>
             </a:br>
             <a:r>
-              <a:rPr lang="de-AT"/>
-              <a:t>resulting weights are:</a:t>
+              <a:rPr lang="de-AT" dirty="0" err="1"/>
+              <a:t>this</a:t>
+            </a:r>
+            <a:r>
+              <a:rPr lang="de-AT" dirty="0"/>
+              <a:t> </a:t>
+            </a:r>
+            <a:r>
+              <a:rPr lang="de-AT" dirty="0" err="1"/>
+              <a:t>seemed</a:t>
+            </a:r>
+            <a:r>
+              <a:rPr lang="de-AT" dirty="0"/>
+              <a:t> </a:t>
+            </a:r>
+            <a:r>
+              <a:rPr lang="de-AT" dirty="0" err="1"/>
+              <a:t>to</a:t>
+            </a:r>
+            <a:r>
+              <a:rPr lang="de-AT" dirty="0"/>
+              <a:t> </a:t>
+            </a:r>
+            <a:r>
+              <a:rPr lang="de-AT" dirty="0" err="1"/>
+              <a:t>give</a:t>
+            </a:r>
+            <a:r>
+              <a:rPr lang="de-AT" dirty="0"/>
+              <a:t> </a:t>
+            </a:r>
+            <a:r>
+              <a:rPr lang="de-AT" dirty="0" err="1"/>
+              <a:t>better</a:t>
+            </a:r>
+            <a:r>
+              <a:rPr lang="de-AT" dirty="0"/>
+              <a:t> </a:t>
+            </a:r>
+            <a:r>
+              <a:rPr lang="de-AT" dirty="0" err="1"/>
+              <a:t>results</a:t>
+            </a:r>
+            <a:r>
+              <a:rPr lang="de-AT" dirty="0"/>
+              <a:t>) </a:t>
+            </a:r>
+            <a:r>
+              <a:rPr lang="de-AT" dirty="0" err="1"/>
+              <a:t>the</a:t>
+            </a:r>
+            <a:r>
+              <a:rPr lang="de-AT" dirty="0"/>
+              <a:t> </a:t>
+            </a:r>
+            <a:br>
+              <a:rPr lang="de-AT" dirty="0"/>
+            </a:br>
+            <a:r>
+              <a:rPr lang="de-AT" dirty="0" err="1"/>
+              <a:t>resulting</a:t>
+            </a:r>
+            <a:r>
+              <a:rPr lang="de-AT" dirty="0"/>
+              <a:t> </a:t>
+            </a:r>
+            <a:r>
+              <a:rPr lang="de-AT" dirty="0" err="1"/>
+              <a:t>weights</a:t>
+            </a:r>
+            <a:r>
+              <a:rPr lang="de-AT" dirty="0"/>
+              <a:t> </a:t>
+            </a:r>
+            <a:r>
+              <a:rPr lang="de-AT" dirty="0" err="1"/>
+              <a:t>are</a:t>
+            </a:r>
+            <a:r>
+              <a:rPr lang="de-AT" dirty="0"/>
+              <a:t>:</a:t>
             </a:r>
           </a:p>
         </p:txBody>

--- a/Challenge Presentation.pptx
+++ b/Challenge Presentation.pptx
@@ -137,6 +137,70 @@
 
 <file path=ppt/changesInfos/changesInfo1.xml><?xml version="1.0" encoding="utf-8"?>
 <pc:chgInfo xmlns:a="http://schemas.openxmlformats.org/drawingml/2006/main" xmlns:r="http://schemas.openxmlformats.org/officeDocument/2006/relationships" xmlns:ac="http://schemas.microsoft.com/office/drawing/2013/main/command" xmlns:pc="http://schemas.microsoft.com/office/powerpoint/2013/main/command">
+  <pc:docChgLst>
+    <pc:chgData name="Sandro Assek" userId="c00f4fa3-2fb0-4ff2-817b-9b12cde38168" providerId="ADAL" clId="{879E222E-A6AC-41DC-AC0B-D5A2E8530FCD}"/>
+    <pc:docChg chg="custSel modSld">
+      <pc:chgData name="Sandro Assek" userId="c00f4fa3-2fb0-4ff2-817b-9b12cde38168" providerId="ADAL" clId="{879E222E-A6AC-41DC-AC0B-D5A2E8530FCD}" dt="2023-06-22T10:08:47.498" v="845" actId="20577"/>
+      <pc:docMkLst>
+        <pc:docMk/>
+      </pc:docMkLst>
+      <pc:sldChg chg="addSp delSp modSp">
+        <pc:chgData name="Sandro Assek" userId="c00f4fa3-2fb0-4ff2-817b-9b12cde38168" providerId="ADAL" clId="{879E222E-A6AC-41DC-AC0B-D5A2E8530FCD}" dt="2023-06-22T10:08:47.498" v="845" actId="20577"/>
+        <pc:sldMkLst>
+          <pc:docMk/>
+          <pc:sldMk cId="0" sldId="261"/>
+        </pc:sldMkLst>
+        <pc:spChg chg="mod">
+          <ac:chgData name="Sandro Assek" userId="c00f4fa3-2fb0-4ff2-817b-9b12cde38168" providerId="ADAL" clId="{879E222E-A6AC-41DC-AC0B-D5A2E8530FCD}" dt="2023-06-22T10:08:47.498" v="845" actId="20577"/>
+          <ac:spMkLst>
+            <pc:docMk/>
+            <pc:sldMk cId="0" sldId="261"/>
+            <ac:spMk id="3" creationId="{56EB18EA-23DD-83D7-C46F-87CF567AA9C5}"/>
+          </ac:spMkLst>
+        </pc:spChg>
+        <pc:spChg chg="add del mod">
+          <ac:chgData name="Sandro Assek" userId="c00f4fa3-2fb0-4ff2-817b-9b12cde38168" providerId="ADAL" clId="{879E222E-A6AC-41DC-AC0B-D5A2E8530FCD}" dt="2023-06-22T09:57:55.096" v="499"/>
+          <ac:spMkLst>
+            <pc:docMk/>
+            <pc:sldMk cId="0" sldId="261"/>
+            <ac:spMk id="6" creationId="{0ABC2269-5474-4543-9117-BE011B8DE079}"/>
+          </ac:spMkLst>
+        </pc:spChg>
+        <pc:spChg chg="add del mod">
+          <ac:chgData name="Sandro Assek" userId="c00f4fa3-2fb0-4ff2-817b-9b12cde38168" providerId="ADAL" clId="{879E222E-A6AC-41DC-AC0B-D5A2E8530FCD}" dt="2023-06-22T09:57:30.581" v="491"/>
+          <ac:spMkLst>
+            <pc:docMk/>
+            <pc:sldMk cId="0" sldId="261"/>
+            <ac:spMk id="7" creationId="{61DFA534-0997-45A5-91E8-E7DA0D8FC34F}"/>
+          </ac:spMkLst>
+        </pc:spChg>
+        <pc:spChg chg="add del mod">
+          <ac:chgData name="Sandro Assek" userId="c00f4fa3-2fb0-4ff2-817b-9b12cde38168" providerId="ADAL" clId="{879E222E-A6AC-41DC-AC0B-D5A2E8530FCD}" dt="2023-06-22T09:58:06.318" v="507"/>
+          <ac:spMkLst>
+            <pc:docMk/>
+            <pc:sldMk cId="0" sldId="261"/>
+            <ac:spMk id="8" creationId="{8E394262-71D2-4E21-A7B6-F601C885BDDF}"/>
+          </ac:spMkLst>
+        </pc:spChg>
+        <pc:picChg chg="add mod">
+          <ac:chgData name="Sandro Assek" userId="c00f4fa3-2fb0-4ff2-817b-9b12cde38168" providerId="ADAL" clId="{879E222E-A6AC-41DC-AC0B-D5A2E8530FCD}" dt="2023-06-22T10:00:44.345" v="540" actId="1076"/>
+          <ac:picMkLst>
+            <pc:docMk/>
+            <pc:sldMk cId="0" sldId="261"/>
+            <ac:picMk id="4" creationId="{7939D6C8-C7D4-45B8-BAA1-52C915844E54}"/>
+          </ac:picMkLst>
+        </pc:picChg>
+        <pc:picChg chg="add mod">
+          <ac:chgData name="Sandro Assek" userId="c00f4fa3-2fb0-4ff2-817b-9b12cde38168" providerId="ADAL" clId="{879E222E-A6AC-41DC-AC0B-D5A2E8530FCD}" dt="2023-06-22T10:00:42.339" v="539" actId="1076"/>
+          <ac:picMkLst>
+            <pc:docMk/>
+            <pc:sldMk cId="0" sldId="261"/>
+            <ac:picMk id="5" creationId="{58C3CA90-12AF-4E69-9A3A-3BE589835619}"/>
+          </ac:picMkLst>
+        </pc:picChg>
+      </pc:sldChg>
+    </pc:docChg>
+  </pc:docChgLst>
   <pc:docChgLst>
     <pc:chgData name="Wittner Christoph" userId="fc7457a2-a2ef-4f24-b8b5-f1361b29663d" providerId="ADAL" clId="{80847FDB-E8F1-463B-ADD5-88886BABD9D6}"/>
     <pc:docChg chg="undo custSel addSld delSld modSld sldOrd">
@@ -617,7 +681,7 @@
           <a:p>
             <a:pPr lvl="0"/>
             <a:fld id="{42BA9B41-DA04-4F58-AA74-4B9472D731E1}" type="slidenum">
-              <a:t>‹#›</a:t>
+              <a:t>‹Nr.›</a:t>
             </a:fld>
             <a:endParaRPr lang="de-DE"/>
           </a:p>
@@ -854,7 +918,7 @@
           <a:p>
             <a:pPr lvl="0"/>
             <a:fld id="{0239BA78-B16C-4AAC-A728-AEFC4703D0AD}" type="slidenum">
-              <a:t>‹#›</a:t>
+              <a:t>‹Nr.›</a:t>
             </a:fld>
             <a:endParaRPr lang="de-DE"/>
           </a:p>
@@ -1100,7 +1164,7 @@
           <a:p>
             <a:pPr lvl="0"/>
             <a:fld id="{0CD7FD27-A706-4453-B1B4-C9E5F3579808}" type="slidenum">
-              <a:t>‹#›</a:t>
+              <a:t>‹Nr.›</a:t>
             </a:fld>
             <a:endParaRPr lang="de-DE"/>
           </a:p>
@@ -1336,7 +1400,7 @@
           <a:p>
             <a:pPr lvl="0"/>
             <a:fld id="{1368AC57-4802-4BF3-803F-BD5FC90033A4}" type="slidenum">
-              <a:t>‹#›</a:t>
+              <a:t>‹Nr.›</a:t>
             </a:fld>
             <a:endParaRPr lang="de-DE"/>
           </a:p>
@@ -1547,7 +1611,7 @@
           <a:p>
             <a:pPr lvl="0"/>
             <a:fld id="{51F48843-55FE-4C4C-88D4-6BB9C8C8739F}" type="slidenum">
-              <a:t>‹#›</a:t>
+              <a:t>‹Nr.›</a:t>
             </a:fld>
             <a:endParaRPr lang="de-DE"/>
           </a:p>
@@ -1867,7 +1931,7 @@
           <a:p>
             <a:pPr lvl="0"/>
             <a:fld id="{B3B730D7-8C0C-41EF-A169-230F34CE8E1B}" type="slidenum">
-              <a:t>‹#›</a:t>
+              <a:t>‹Nr.›</a:t>
             </a:fld>
             <a:endParaRPr lang="de-DE"/>
           </a:p>
@@ -2270,7 +2334,7 @@
           <a:p>
             <a:pPr lvl="0"/>
             <a:fld id="{428E59DF-F9A7-45CE-8399-C79E79CD0A0A}" type="slidenum">
-              <a:t>‹#›</a:t>
+              <a:t>‹Nr.›</a:t>
             </a:fld>
             <a:endParaRPr lang="de-DE"/>
           </a:p>
@@ -2432,7 +2496,7 @@
           <a:p>
             <a:pPr lvl="0"/>
             <a:fld id="{32E3A4B9-CB0E-4BCE-965A-6882450B5A44}" type="slidenum">
-              <a:t>‹#›</a:t>
+              <a:t>‹Nr.›</a:t>
             </a:fld>
             <a:endParaRPr lang="de-DE"/>
           </a:p>
@@ -2560,7 +2624,7 @@
           <a:p>
             <a:pPr lvl="0"/>
             <a:fld id="{BBF9BF89-8DF7-462F-83A4-379B16AADBA8}" type="slidenum">
-              <a:t>‹#›</a:t>
+              <a:t>‹Nr.›</a:t>
             </a:fld>
             <a:endParaRPr lang="de-DE"/>
           </a:p>
@@ -2845,7 +2909,7 @@
           <a:p>
             <a:pPr lvl="0"/>
             <a:fld id="{559A422C-B82B-4A46-AF36-EC65498404E3}" type="slidenum">
-              <a:t>‹#›</a:t>
+              <a:t>‹Nr.›</a:t>
             </a:fld>
             <a:endParaRPr lang="de-DE"/>
           </a:p>
@@ -3087,7 +3151,7 @@
           <a:p>
             <a:pPr lvl="0"/>
             <a:fld id="{7C81FA7C-24F3-48DB-B8D8-D9C88B2EA174}" type="slidenum">
-              <a:t>‹#›</a:t>
+              <a:t>‹Nr.›</a:t>
             </a:fld>
             <a:endParaRPr lang="de-DE"/>
           </a:p>
@@ -3432,7 +3496,7 @@
           <a:p>
             <a:pPr lvl="0"/>
             <a:fld id="{874B1260-3206-49A4-AB81-18C63B89D944}" type="slidenum">
-              <a:t>‹#›</a:t>
+              <a:t>‹Nr.›</a:t>
             </a:fld>
             <a:endParaRPr lang="de-DE"/>
           </a:p>
@@ -4081,7 +4145,7 @@
           <a:p>
             <a:pPr lvl="0"/>
             <a:r>
-              <a:rPr lang="de-DE"/>
+              <a:rPr lang="de-DE" dirty="0"/>
               <a:t>SVM</a:t>
             </a:r>
           </a:p>
@@ -4103,15 +4167,143 @@
             <p:ph idx="1"/>
           </p:nvPr>
         </p:nvSpPr>
-        <p:spPr/>
+        <p:spPr>
+          <a:xfrm>
+            <a:off x="838203" y="1825627"/>
+            <a:ext cx="10839991" cy="4351336"/>
+          </a:xfrm>
+        </p:spPr>
         <p:txBody>
           <a:bodyPr/>
           <a:lstStyle/>
           <a:p>
-            <a:endParaRPr lang="de-DE"/>
-          </a:p>
-        </p:txBody>
-      </p:sp>
+            <a:r>
+              <a:rPr lang="en-GB" sz="2400" dirty="0" err="1"/>
+              <a:t>sklearns</a:t>
+            </a:r>
+            <a:r>
+              <a:rPr lang="en-GB" sz="2400" dirty="0"/>
+              <a:t> SVM settings from Task 3:</a:t>
+            </a:r>
+          </a:p>
+          <a:p>
+            <a:pPr lvl="1"/>
+            <a:r>
+              <a:rPr lang="en-GB" sz="1800" dirty="0">
+                <a:latin typeface="Consolas" panose="020B0609020204030204" pitchFamily="49" charset="0"/>
+              </a:rPr>
+              <a:t>[kernel=‘</a:t>
+            </a:r>
+            <a:r>
+              <a:rPr lang="en-GB" sz="1800" dirty="0" err="1">
+                <a:latin typeface="Consolas" panose="020B0609020204030204" pitchFamily="49" charset="0"/>
+              </a:rPr>
+              <a:t>rbf</a:t>
+            </a:r>
+            <a:r>
+              <a:rPr lang="en-GB" sz="1800" dirty="0">
+                <a:latin typeface="Consolas" panose="020B0609020204030204" pitchFamily="49" charset="0"/>
+              </a:rPr>
+              <a:t>‘, C=4, </a:t>
+            </a:r>
+            <a:r>
+              <a:rPr lang="en-GB" sz="1800" dirty="0" err="1">
+                <a:latin typeface="Consolas" panose="020B0609020204030204" pitchFamily="49" charset="0"/>
+              </a:rPr>
+              <a:t>tol</a:t>
+            </a:r>
+            <a:r>
+              <a:rPr lang="en-GB" sz="1800" dirty="0">
+                <a:latin typeface="Consolas" panose="020B0609020204030204" pitchFamily="49" charset="0"/>
+              </a:rPr>
+              <a:t>=1e-3, gamma=‘auto‘]</a:t>
+            </a:r>
+          </a:p>
+          <a:p>
+            <a:r>
+              <a:rPr lang="en-GB" sz="2000" dirty="0"/>
+              <a:t>Training on 50 features and bird calls according to sampling from Task 3, clearly (left Confusion Matrix) SVM has a hard time detecting any bird calls</a:t>
+            </a:r>
+          </a:p>
+          <a:p>
+            <a:r>
+              <a:rPr lang="en-US" sz="2000" dirty="0"/>
+              <a:t>Applying postprocessing on the raw prediction sequences of the test set increases the models’ (right Confusion Matrix) ability to detect bird calls and leads to an increase in approximated savings. </a:t>
+            </a:r>
+          </a:p>
+          <a:p>
+            <a:endParaRPr lang="en-GB" sz="2000" dirty="0"/>
+          </a:p>
+          <a:p>
+            <a:endParaRPr lang="en-GB" sz="2200" dirty="0">
+              <a:latin typeface="Consolas" panose="020B0609020204030204" pitchFamily="49" charset="0"/>
+            </a:endParaRPr>
+          </a:p>
+          <a:p>
+            <a:endParaRPr lang="en-GB" dirty="0"/>
+          </a:p>
+        </p:txBody>
+      </p:sp>
+      <p:pic>
+        <p:nvPicPr>
+          <p:cNvPr id="4" name="Grafik 3">
+            <a:extLst>
+              <a:ext uri="{FF2B5EF4-FFF2-40B4-BE49-F238E27FC236}">
+                <a16:creationId xmlns:a16="http://schemas.microsoft.com/office/drawing/2014/main" id="{7939D6C8-C7D4-45B8-BAA1-52C915844E54}"/>
+              </a:ext>
+            </a:extLst>
+          </p:cNvPr>
+          <p:cNvPicPr>
+            <a:picLocks noChangeAspect="1"/>
+          </p:cNvPicPr>
+          <p:nvPr/>
+        </p:nvPicPr>
+        <p:blipFill>
+          <a:blip r:embed="rId2"/>
+          <a:stretch>
+            <a:fillRect/>
+          </a:stretch>
+        </p:blipFill>
+        <p:spPr>
+          <a:xfrm>
+            <a:off x="2561521" y="3972871"/>
+            <a:ext cx="3121911" cy="2520000"/>
+          </a:xfrm>
+          <a:prstGeom prst="rect">
+            <a:avLst/>
+          </a:prstGeom>
+        </p:spPr>
+      </p:pic>
+      <p:pic>
+        <p:nvPicPr>
+          <p:cNvPr id="5" name="Grafik 4">
+            <a:extLst>
+              <a:ext uri="{FF2B5EF4-FFF2-40B4-BE49-F238E27FC236}">
+                <a16:creationId xmlns:a16="http://schemas.microsoft.com/office/drawing/2014/main" id="{58C3CA90-12AF-4E69-9A3A-3BE589835619}"/>
+              </a:ext>
+            </a:extLst>
+          </p:cNvPr>
+          <p:cNvPicPr>
+            <a:picLocks noChangeAspect="1"/>
+          </p:cNvPicPr>
+          <p:nvPr/>
+        </p:nvPicPr>
+        <p:blipFill>
+          <a:blip r:embed="rId3"/>
+          <a:stretch>
+            <a:fillRect/>
+          </a:stretch>
+        </p:blipFill>
+        <p:spPr>
+          <a:xfrm>
+            <a:off x="6763295" y="3972871"/>
+            <a:ext cx="3087000" cy="2520000"/>
+          </a:xfrm>
+          <a:prstGeom prst="rect">
+            <a:avLst/>
+          </a:prstGeom>
+        </p:spPr>
+      </p:pic>
     </p:spTree>
   </p:cSld>
   <p:clrMapOvr>
@@ -5506,9 +5698,38 @@
           <a:p>
             <a:pPr lvl="0"/>
             <a:r>
-              <a:rPr lang="de-DE"/>
-              <a:t>Top 50 Features chosen by mutual information gain</a:t>
-            </a:r>
+              <a:rPr lang="de-DE" dirty="0"/>
+              <a:t>Top 50 Features </a:t>
+            </a:r>
+            <a:r>
+              <a:rPr lang="de-DE" dirty="0" err="1"/>
+              <a:t>chosen</a:t>
+            </a:r>
+            <a:r>
+              <a:rPr lang="de-DE" dirty="0"/>
+              <a:t> </a:t>
+            </a:r>
+            <a:r>
+              <a:rPr lang="de-DE" dirty="0" err="1"/>
+              <a:t>by</a:t>
+            </a:r>
+            <a:r>
+              <a:rPr lang="de-DE" dirty="0"/>
+              <a:t> mutual </a:t>
+            </a:r>
+            <a:r>
+              <a:rPr lang="de-DE" dirty="0" err="1"/>
+              <a:t>information</a:t>
+            </a:r>
+            <a:r>
+              <a:rPr lang="de-DE" dirty="0"/>
+              <a:t> </a:t>
+            </a:r>
+            <a:r>
+              <a:rPr lang="de-DE" dirty="0" err="1"/>
+              <a:t>gain</a:t>
+            </a:r>
+            <a:endParaRPr lang="de-DE" dirty="0"/>
           </a:p>
         </p:txBody>
       </p:sp>

--- a/Challenge Presentation.pptx
+++ b/Challenge Presentation.pptx
@@ -13,8 +13,8 @@
     <p:sldId id="266" r:id="rId7"/>
     <p:sldId id="272" r:id="rId8"/>
     <p:sldId id="273" r:id="rId9"/>
-    <p:sldId id="269" r:id="rId10"/>
-    <p:sldId id="260" r:id="rId11"/>
+    <p:sldId id="276" r:id="rId10"/>
+    <p:sldId id="277" r:id="rId11"/>
     <p:sldId id="261" r:id="rId12"/>
     <p:sldId id="262" r:id="rId13"/>
     <p:sldId id="268" r:id="rId14"/>
@@ -137,70 +137,6 @@
 
 <file path=ppt/changesInfos/changesInfo1.xml><?xml version="1.0" encoding="utf-8"?>
 <pc:chgInfo xmlns:a="http://schemas.openxmlformats.org/drawingml/2006/main" xmlns:r="http://schemas.openxmlformats.org/officeDocument/2006/relationships" xmlns:ac="http://schemas.microsoft.com/office/drawing/2013/main/command" xmlns:pc="http://schemas.microsoft.com/office/powerpoint/2013/main/command">
-  <pc:docChgLst>
-    <pc:chgData name="Sandro Assek" userId="c00f4fa3-2fb0-4ff2-817b-9b12cde38168" providerId="ADAL" clId="{879E222E-A6AC-41DC-AC0B-D5A2E8530FCD}"/>
-    <pc:docChg chg="custSel modSld">
-      <pc:chgData name="Sandro Assek" userId="c00f4fa3-2fb0-4ff2-817b-9b12cde38168" providerId="ADAL" clId="{879E222E-A6AC-41DC-AC0B-D5A2E8530FCD}" dt="2023-06-22T10:08:47.498" v="845" actId="20577"/>
-      <pc:docMkLst>
-        <pc:docMk/>
-      </pc:docMkLst>
-      <pc:sldChg chg="addSp delSp modSp">
-        <pc:chgData name="Sandro Assek" userId="c00f4fa3-2fb0-4ff2-817b-9b12cde38168" providerId="ADAL" clId="{879E222E-A6AC-41DC-AC0B-D5A2E8530FCD}" dt="2023-06-22T10:08:47.498" v="845" actId="20577"/>
-        <pc:sldMkLst>
-          <pc:docMk/>
-          <pc:sldMk cId="0" sldId="261"/>
-        </pc:sldMkLst>
-        <pc:spChg chg="mod">
-          <ac:chgData name="Sandro Assek" userId="c00f4fa3-2fb0-4ff2-817b-9b12cde38168" providerId="ADAL" clId="{879E222E-A6AC-41DC-AC0B-D5A2E8530FCD}" dt="2023-06-22T10:08:47.498" v="845" actId="20577"/>
-          <ac:spMkLst>
-            <pc:docMk/>
-            <pc:sldMk cId="0" sldId="261"/>
-            <ac:spMk id="3" creationId="{56EB18EA-23DD-83D7-C46F-87CF567AA9C5}"/>
-          </ac:spMkLst>
-        </pc:spChg>
-        <pc:spChg chg="add del mod">
-          <ac:chgData name="Sandro Assek" userId="c00f4fa3-2fb0-4ff2-817b-9b12cde38168" providerId="ADAL" clId="{879E222E-A6AC-41DC-AC0B-D5A2E8530FCD}" dt="2023-06-22T09:57:55.096" v="499"/>
-          <ac:spMkLst>
-            <pc:docMk/>
-            <pc:sldMk cId="0" sldId="261"/>
-            <ac:spMk id="6" creationId="{0ABC2269-5474-4543-9117-BE011B8DE079}"/>
-          </ac:spMkLst>
-        </pc:spChg>
-        <pc:spChg chg="add del mod">
-          <ac:chgData name="Sandro Assek" userId="c00f4fa3-2fb0-4ff2-817b-9b12cde38168" providerId="ADAL" clId="{879E222E-A6AC-41DC-AC0B-D5A2E8530FCD}" dt="2023-06-22T09:57:30.581" v="491"/>
-          <ac:spMkLst>
-            <pc:docMk/>
-            <pc:sldMk cId="0" sldId="261"/>
-            <ac:spMk id="7" creationId="{61DFA534-0997-45A5-91E8-E7DA0D8FC34F}"/>
-          </ac:spMkLst>
-        </pc:spChg>
-        <pc:spChg chg="add del mod">
-          <ac:chgData name="Sandro Assek" userId="c00f4fa3-2fb0-4ff2-817b-9b12cde38168" providerId="ADAL" clId="{879E222E-A6AC-41DC-AC0B-D5A2E8530FCD}" dt="2023-06-22T09:58:06.318" v="507"/>
-          <ac:spMkLst>
-            <pc:docMk/>
-            <pc:sldMk cId="0" sldId="261"/>
-            <ac:spMk id="8" creationId="{8E394262-71D2-4E21-A7B6-F601C885BDDF}"/>
-          </ac:spMkLst>
-        </pc:spChg>
-        <pc:picChg chg="add mod">
-          <ac:chgData name="Sandro Assek" userId="c00f4fa3-2fb0-4ff2-817b-9b12cde38168" providerId="ADAL" clId="{879E222E-A6AC-41DC-AC0B-D5A2E8530FCD}" dt="2023-06-22T10:00:44.345" v="540" actId="1076"/>
-          <ac:picMkLst>
-            <pc:docMk/>
-            <pc:sldMk cId="0" sldId="261"/>
-            <ac:picMk id="4" creationId="{7939D6C8-C7D4-45B8-BAA1-52C915844E54}"/>
-          </ac:picMkLst>
-        </pc:picChg>
-        <pc:picChg chg="add mod">
-          <ac:chgData name="Sandro Assek" userId="c00f4fa3-2fb0-4ff2-817b-9b12cde38168" providerId="ADAL" clId="{879E222E-A6AC-41DC-AC0B-D5A2E8530FCD}" dt="2023-06-22T10:00:42.339" v="539" actId="1076"/>
-          <ac:picMkLst>
-            <pc:docMk/>
-            <pc:sldMk cId="0" sldId="261"/>
-            <ac:picMk id="5" creationId="{58C3CA90-12AF-4E69-9A3A-3BE589835619}"/>
-          </ac:picMkLst>
-        </pc:picChg>
-      </pc:sldChg>
-    </pc:docChg>
-  </pc:docChgLst>
   <pc:docChgLst>
     <pc:chgData name="Wittner Christoph" userId="fc7457a2-a2ef-4f24-b8b5-f1361b29663d" providerId="ADAL" clId="{80847FDB-E8F1-463B-ADD5-88886BABD9D6}"/>
     <pc:docChg chg="undo custSel addSld delSld modSld sldOrd">
@@ -485,6 +421,70 @@
             <pc:docMk/>
             <pc:sldMk cId="3607126627" sldId="275"/>
             <ac:picMk id="9" creationId="{B6365938-84F2-66BB-8F35-9E4C3DADF8E2}"/>
+          </ac:picMkLst>
+        </pc:picChg>
+      </pc:sldChg>
+    </pc:docChg>
+  </pc:docChgLst>
+  <pc:docChgLst>
+    <pc:chgData name="Sandro Assek" userId="c00f4fa3-2fb0-4ff2-817b-9b12cde38168" providerId="ADAL" clId="{879E222E-A6AC-41DC-AC0B-D5A2E8530FCD}"/>
+    <pc:docChg chg="custSel modSld">
+      <pc:chgData name="Sandro Assek" userId="c00f4fa3-2fb0-4ff2-817b-9b12cde38168" providerId="ADAL" clId="{879E222E-A6AC-41DC-AC0B-D5A2E8530FCD}" dt="2023-06-22T10:08:47.498" v="845" actId="20577"/>
+      <pc:docMkLst>
+        <pc:docMk/>
+      </pc:docMkLst>
+      <pc:sldChg chg="addSp delSp modSp">
+        <pc:chgData name="Sandro Assek" userId="c00f4fa3-2fb0-4ff2-817b-9b12cde38168" providerId="ADAL" clId="{879E222E-A6AC-41DC-AC0B-D5A2E8530FCD}" dt="2023-06-22T10:08:47.498" v="845" actId="20577"/>
+        <pc:sldMkLst>
+          <pc:docMk/>
+          <pc:sldMk cId="0" sldId="261"/>
+        </pc:sldMkLst>
+        <pc:spChg chg="mod">
+          <ac:chgData name="Sandro Assek" userId="c00f4fa3-2fb0-4ff2-817b-9b12cde38168" providerId="ADAL" clId="{879E222E-A6AC-41DC-AC0B-D5A2E8530FCD}" dt="2023-06-22T10:08:47.498" v="845" actId="20577"/>
+          <ac:spMkLst>
+            <pc:docMk/>
+            <pc:sldMk cId="0" sldId="261"/>
+            <ac:spMk id="3" creationId="{56EB18EA-23DD-83D7-C46F-87CF567AA9C5}"/>
+          </ac:spMkLst>
+        </pc:spChg>
+        <pc:spChg chg="add del mod">
+          <ac:chgData name="Sandro Assek" userId="c00f4fa3-2fb0-4ff2-817b-9b12cde38168" providerId="ADAL" clId="{879E222E-A6AC-41DC-AC0B-D5A2E8530FCD}" dt="2023-06-22T09:57:55.096" v="499"/>
+          <ac:spMkLst>
+            <pc:docMk/>
+            <pc:sldMk cId="0" sldId="261"/>
+            <ac:spMk id="6" creationId="{0ABC2269-5474-4543-9117-BE011B8DE079}"/>
+          </ac:spMkLst>
+        </pc:spChg>
+        <pc:spChg chg="add del mod">
+          <ac:chgData name="Sandro Assek" userId="c00f4fa3-2fb0-4ff2-817b-9b12cde38168" providerId="ADAL" clId="{879E222E-A6AC-41DC-AC0B-D5A2E8530FCD}" dt="2023-06-22T09:57:30.581" v="491"/>
+          <ac:spMkLst>
+            <pc:docMk/>
+            <pc:sldMk cId="0" sldId="261"/>
+            <ac:spMk id="7" creationId="{61DFA534-0997-45A5-91E8-E7DA0D8FC34F}"/>
+          </ac:spMkLst>
+        </pc:spChg>
+        <pc:spChg chg="add del mod">
+          <ac:chgData name="Sandro Assek" userId="c00f4fa3-2fb0-4ff2-817b-9b12cde38168" providerId="ADAL" clId="{879E222E-A6AC-41DC-AC0B-D5A2E8530FCD}" dt="2023-06-22T09:58:06.318" v="507"/>
+          <ac:spMkLst>
+            <pc:docMk/>
+            <pc:sldMk cId="0" sldId="261"/>
+            <ac:spMk id="8" creationId="{8E394262-71D2-4E21-A7B6-F601C885BDDF}"/>
+          </ac:spMkLst>
+        </pc:spChg>
+        <pc:picChg chg="add mod">
+          <ac:chgData name="Sandro Assek" userId="c00f4fa3-2fb0-4ff2-817b-9b12cde38168" providerId="ADAL" clId="{879E222E-A6AC-41DC-AC0B-D5A2E8530FCD}" dt="2023-06-22T10:00:44.345" v="540" actId="1076"/>
+          <ac:picMkLst>
+            <pc:docMk/>
+            <pc:sldMk cId="0" sldId="261"/>
+            <ac:picMk id="4" creationId="{7939D6C8-C7D4-45B8-BAA1-52C915844E54}"/>
+          </ac:picMkLst>
+        </pc:picChg>
+        <pc:picChg chg="add mod">
+          <ac:chgData name="Sandro Assek" userId="c00f4fa3-2fb0-4ff2-817b-9b12cde38168" providerId="ADAL" clId="{879E222E-A6AC-41DC-AC0B-D5A2E8530FCD}" dt="2023-06-22T10:00:42.339" v="539" actId="1076"/>
+          <ac:picMkLst>
+            <pc:docMk/>
+            <pc:sldMk cId="0" sldId="261"/>
+            <ac:picMk id="5" creationId="{58C3CA90-12AF-4E69-9A3A-3BE589835619}"/>
           </ac:picMkLst>
         </pc:picChg>
       </pc:sldChg>
@@ -3990,7 +3990,7 @@
 
 <file path=ppt/slides/slide10.xml><?xml version="1.0" encoding="utf-8"?>
 <p:sld xmlns:a="http://schemas.openxmlformats.org/drawingml/2006/main" xmlns:r="http://schemas.openxmlformats.org/officeDocument/2006/relationships" xmlns:p="http://schemas.openxmlformats.org/presentationml/2006/main">
-  <p:cSld name="Slide5">
+  <p:cSld>
     <p:spTree>
       <p:nvGrpSpPr>
         <p:cNvPr id="1" name=""/>
@@ -4057,18 +4057,314 @@
           <a:p>
             <a:pPr lvl="0"/>
             <a:r>
-              <a:rPr lang="de-AT"/>
-              <a:t>With 300 estimators, a learning rate of 0.1 and a max_depth of 3 the resulting confusion matrix and savings are: </a:t>
-            </a:r>
+              <a:rPr lang="de-AT" dirty="0" err="1"/>
+              <a:t>With</a:t>
+            </a:r>
+            <a:r>
+              <a:rPr lang="de-AT" dirty="0"/>
+              <a:t> 400 </a:t>
+            </a:r>
+            <a:r>
+              <a:rPr lang="de-AT" dirty="0" err="1"/>
+              <a:t>estimators</a:t>
+            </a:r>
+            <a:r>
+              <a:rPr lang="de-AT" dirty="0"/>
+              <a:t>, a </a:t>
+            </a:r>
+            <a:r>
+              <a:rPr lang="de-AT" dirty="0" err="1"/>
+              <a:t>learning</a:t>
+            </a:r>
+            <a:r>
+              <a:rPr lang="de-AT" dirty="0"/>
+              <a:t> rate </a:t>
+            </a:r>
+            <a:r>
+              <a:rPr lang="de-AT" dirty="0" err="1"/>
+              <a:t>of</a:t>
+            </a:r>
+            <a:r>
+              <a:rPr lang="de-AT" dirty="0"/>
+              <a:t> 0.1 and a </a:t>
+            </a:r>
+            <a:r>
+              <a:rPr lang="de-AT" dirty="0" err="1"/>
+              <a:t>max_depth</a:t>
+            </a:r>
+            <a:r>
+              <a:rPr lang="de-AT" dirty="0"/>
+              <a:t> </a:t>
+            </a:r>
+            <a:r>
+              <a:rPr lang="de-AT" dirty="0" err="1"/>
+              <a:t>of</a:t>
+            </a:r>
+            <a:r>
+              <a:rPr lang="de-AT" dirty="0"/>
+              <a:t> 4 </a:t>
+            </a:r>
+            <a:r>
+              <a:rPr lang="de-AT" dirty="0" err="1"/>
+              <a:t>the</a:t>
+            </a:r>
+            <a:r>
+              <a:rPr lang="de-AT" dirty="0"/>
+              <a:t> </a:t>
+            </a:r>
+            <a:r>
+              <a:rPr lang="de-AT" dirty="0" err="1"/>
+              <a:t>resulting</a:t>
+            </a:r>
+            <a:r>
+              <a:rPr lang="de-AT" dirty="0"/>
+              <a:t> </a:t>
+            </a:r>
+            <a:r>
+              <a:rPr lang="de-AT" dirty="0" err="1"/>
+              <a:t>confusion</a:t>
+            </a:r>
+            <a:r>
+              <a:rPr lang="de-AT" dirty="0"/>
+              <a:t> </a:t>
+            </a:r>
+            <a:r>
+              <a:rPr lang="de-AT" dirty="0" err="1"/>
+              <a:t>matrix</a:t>
+            </a:r>
+            <a:r>
+              <a:rPr lang="de-AT" dirty="0"/>
+              <a:t> and </a:t>
+            </a:r>
+            <a:r>
+              <a:rPr lang="de-AT" dirty="0" err="1"/>
+              <a:t>savings</a:t>
+            </a:r>
+            <a:r>
+              <a:rPr lang="de-AT" dirty="0"/>
+              <a:t> </a:t>
+            </a:r>
+            <a:r>
+              <a:rPr lang="de-AT" dirty="0" err="1"/>
+              <a:t>are</a:t>
+            </a:r>
+            <a:r>
+              <a:rPr lang="de-AT" dirty="0"/>
+              <a:t>:</a:t>
+            </a:r>
+          </a:p>
+          <a:p>
+            <a:pPr lvl="0"/>
+            <a:r>
+              <a:rPr lang="de-AT" dirty="0" err="1"/>
+              <a:t>We</a:t>
+            </a:r>
+            <a:r>
+              <a:rPr lang="de-AT" dirty="0"/>
+              <a:t> </a:t>
+            </a:r>
+            <a:r>
+              <a:rPr lang="de-AT" dirty="0" err="1"/>
+              <a:t>can</a:t>
+            </a:r>
+            <a:r>
+              <a:rPr lang="de-AT" dirty="0"/>
+              <a:t> </a:t>
+            </a:r>
+            <a:r>
+              <a:rPr lang="de-AT" dirty="0" err="1"/>
+              <a:t>see</a:t>
+            </a:r>
+            <a:r>
+              <a:rPr lang="de-AT" dirty="0"/>
+              <a:t> </a:t>
+            </a:r>
+            <a:r>
+              <a:rPr lang="de-AT" dirty="0" err="1"/>
+              <a:t>that</a:t>
+            </a:r>
+            <a:r>
+              <a:rPr lang="de-AT" dirty="0"/>
+              <a:t> </a:t>
+            </a:r>
+            <a:r>
+              <a:rPr lang="de-AT" dirty="0" err="1"/>
+              <a:t>the</a:t>
+            </a:r>
+            <a:r>
+              <a:rPr lang="de-AT" dirty="0"/>
+              <a:t> </a:t>
+            </a:r>
+            <a:r>
+              <a:rPr lang="de-AT" dirty="0" err="1"/>
+              <a:t>classifier</a:t>
+            </a:r>
+            <a:r>
+              <a:rPr lang="de-AT" dirty="0"/>
+              <a:t> was </a:t>
+            </a:r>
+            <a:r>
+              <a:rPr lang="de-AT" dirty="0" err="1"/>
+              <a:t>able</a:t>
+            </a:r>
+            <a:br>
+              <a:rPr lang="de-AT" dirty="0"/>
+            </a:br>
+            <a:r>
+              <a:rPr lang="de-AT" dirty="0" err="1"/>
+              <a:t>to</a:t>
+            </a:r>
+            <a:r>
+              <a:rPr lang="de-AT" dirty="0"/>
+              <a:t> </a:t>
+            </a:r>
+            <a:r>
+              <a:rPr lang="de-AT" dirty="0" err="1"/>
+              <a:t>detect</a:t>
+            </a:r>
+            <a:r>
+              <a:rPr lang="de-AT" dirty="0"/>
+              <a:t> </a:t>
+            </a:r>
+            <a:r>
+              <a:rPr lang="de-AT" dirty="0" err="1"/>
+              <a:t>some</a:t>
+            </a:r>
+            <a:r>
+              <a:rPr lang="de-AT" dirty="0"/>
+              <a:t> </a:t>
+            </a:r>
+            <a:r>
+              <a:rPr lang="de-AT" dirty="0" err="1"/>
+              <a:t>of</a:t>
+            </a:r>
+            <a:r>
+              <a:rPr lang="de-AT" dirty="0"/>
+              <a:t> </a:t>
+            </a:r>
+            <a:r>
+              <a:rPr lang="de-AT" dirty="0" err="1"/>
+              <a:t>the</a:t>
+            </a:r>
+            <a:r>
+              <a:rPr lang="de-AT" dirty="0"/>
+              <a:t> </a:t>
+            </a:r>
+            <a:r>
+              <a:rPr lang="de-AT" dirty="0" err="1"/>
+              <a:t>classes</a:t>
+            </a:r>
+            <a:r>
+              <a:rPr lang="de-AT" dirty="0"/>
+              <a:t> </a:t>
+            </a:r>
+            <a:r>
+              <a:rPr lang="de-AT" dirty="0" err="1"/>
+              <a:t>rather</a:t>
+            </a:r>
+            <a:br>
+              <a:rPr lang="de-AT" dirty="0"/>
+            </a:br>
+            <a:r>
+              <a:rPr lang="de-AT" dirty="0" err="1"/>
+              <a:t>good</a:t>
+            </a:r>
+            <a:r>
+              <a:rPr lang="de-AT" dirty="0"/>
+              <a:t>, but in </a:t>
+            </a:r>
+            <a:r>
+              <a:rPr lang="de-AT" dirty="0" err="1"/>
+              <a:t>comparison</a:t>
+            </a:r>
+            <a:r>
+              <a:rPr lang="de-AT" dirty="0"/>
+              <a:t> </a:t>
+            </a:r>
+            <a:r>
+              <a:rPr lang="de-AT" dirty="0" err="1"/>
+              <a:t>to</a:t>
+            </a:r>
+            <a:r>
+              <a:rPr lang="de-AT" dirty="0"/>
+              <a:t> </a:t>
+            </a:r>
+            <a:r>
+              <a:rPr lang="de-AT" dirty="0" err="1"/>
+              <a:t>some</a:t>
+            </a:r>
+            <a:r>
+              <a:rPr lang="de-AT" dirty="0"/>
+              <a:t> </a:t>
+            </a:r>
+            <a:r>
+              <a:rPr lang="de-AT" dirty="0" err="1"/>
+              <a:t>of</a:t>
+            </a:r>
+            <a:r>
+              <a:rPr lang="de-AT" dirty="0"/>
+              <a:t> </a:t>
+            </a:r>
+            <a:br>
+              <a:rPr lang="de-AT" dirty="0"/>
+            </a:br>
+            <a:r>
+              <a:rPr lang="de-AT" dirty="0" err="1"/>
+              <a:t>our</a:t>
+            </a:r>
+            <a:r>
+              <a:rPr lang="de-AT" dirty="0"/>
+              <a:t> </a:t>
+            </a:r>
+            <a:r>
+              <a:rPr lang="de-AT" dirty="0" err="1"/>
+              <a:t>other</a:t>
+            </a:r>
+            <a:r>
+              <a:rPr lang="de-AT" dirty="0"/>
+              <a:t> </a:t>
+            </a:r>
+            <a:r>
+              <a:rPr lang="de-AT" dirty="0" err="1"/>
+              <a:t>models</a:t>
+            </a:r>
+            <a:r>
+              <a:rPr lang="de-AT" dirty="0"/>
+              <a:t> </a:t>
+            </a:r>
+            <a:r>
+              <a:rPr lang="de-AT" dirty="0" err="1"/>
+              <a:t>the</a:t>
+            </a:r>
+            <a:r>
+              <a:rPr lang="de-AT" dirty="0"/>
+              <a:t> </a:t>
+            </a:r>
+            <a:r>
+              <a:rPr lang="de-AT" dirty="0" err="1"/>
+              <a:t>performance</a:t>
+            </a:r>
+            <a:r>
+              <a:rPr lang="de-AT" dirty="0"/>
+              <a:t> was</a:t>
+            </a:r>
+            <a:br>
+              <a:rPr lang="de-AT" dirty="0"/>
+            </a:br>
+            <a:r>
+              <a:rPr lang="de-AT" dirty="0" err="1"/>
+              <a:t>worse</a:t>
+            </a:r>
+            <a:endParaRPr lang="de-AT" dirty="0"/>
           </a:p>
         </p:txBody>
       </p:sp>
       <p:pic>
         <p:nvPicPr>
-          <p:cNvPr id="4" name="Grafik 4">
-            <a:extLst>
-              <a:ext uri="{FF2B5EF4-FFF2-40B4-BE49-F238E27FC236}">
-                <a16:creationId xmlns:a16="http://schemas.microsoft.com/office/drawing/2014/main" id="{A8D6573D-30E7-A816-9146-4A9142980FB5}"/>
+          <p:cNvPr id="6" name="Grafik 5">
+            <a:extLst>
+              <a:ext uri="{FF2B5EF4-FFF2-40B4-BE49-F238E27FC236}">
+                <a16:creationId xmlns:a16="http://schemas.microsoft.com/office/drawing/2014/main" id="{542DFE12-B700-D281-E6DC-A2CB752DC96A}"/>
               </a:ext>
             </a:extLst>
           </p:cNvPr>
@@ -4085,16 +4381,12 @@
         </p:blipFill>
         <p:spPr>
           <a:xfrm>
-            <a:off x="3832204" y="2802407"/>
-            <a:ext cx="4104083" cy="3374556"/>
+            <a:off x="6917321" y="2829168"/>
+            <a:ext cx="4312443" cy="3547081"/>
           </a:xfrm>
           <a:prstGeom prst="rect">
             <a:avLst/>
           </a:prstGeom>
-          <a:noFill/>
-          <a:ln cap="flat">
-            <a:noFill/>
-          </a:ln>
         </p:spPr>
       </p:pic>
     </p:spTree>
@@ -7177,7 +7469,7 @@
 
 <file path=ppt/slides/slide9.xml><?xml version="1.0" encoding="utf-8"?>
 <p:sld xmlns:a="http://schemas.openxmlformats.org/drawingml/2006/main" xmlns:r="http://schemas.openxmlformats.org/officeDocument/2006/relationships" xmlns:p="http://schemas.openxmlformats.org/presentationml/2006/main">
-  <p:cSld name="Slide14">
+  <p:cSld>
     <p:spTree>
       <p:nvGrpSpPr>
         <p:cNvPr id="1" name=""/>
@@ -7244,36 +7536,533 @@
           <a:p>
             <a:pPr lvl="0"/>
             <a:r>
-              <a:rPr lang="de-AT"/>
-              <a:t>To account for the inbalance of classes, sample weights were calculated to give a higher importance to samples of classes that don‘t occur that often</a:t>
-            </a:r>
-          </a:p>
-          <a:p>
-            <a:pPr lvl="0"/>
-            <a:r>
-              <a:rPr lang="de-AT"/>
-              <a:t>These class weights were calculated by taking the reciprocal value of the number of times each class occured in the data set</a:t>
-            </a:r>
-          </a:p>
-          <a:p>
-            <a:pPr lvl="0"/>
-            <a:r>
-              <a:rPr lang="de-AT"/>
-              <a:t>After deviding the weights by 2 and </a:t>
+              <a:rPr lang="de-AT" dirty="0" err="1"/>
+              <a:t>To</a:t>
+            </a:r>
+            <a:r>
+              <a:rPr lang="de-AT" dirty="0"/>
+              <a:t> </a:t>
+            </a:r>
+            <a:r>
+              <a:rPr lang="de-AT" dirty="0" err="1"/>
+              <a:t>account</a:t>
+            </a:r>
+            <a:r>
+              <a:rPr lang="de-AT" dirty="0"/>
+              <a:t> </a:t>
+            </a:r>
+            <a:r>
+              <a:rPr lang="de-AT" dirty="0" err="1"/>
+              <a:t>for</a:t>
+            </a:r>
+            <a:r>
+              <a:rPr lang="de-AT" dirty="0"/>
+              <a:t> </a:t>
+            </a:r>
+            <a:r>
+              <a:rPr lang="de-AT" dirty="0" err="1"/>
+              <a:t>the</a:t>
+            </a:r>
+            <a:r>
+              <a:rPr lang="de-AT" dirty="0"/>
+              <a:t> </a:t>
+            </a:r>
+            <a:r>
+              <a:rPr lang="de-AT" dirty="0" err="1"/>
+              <a:t>inbalance</a:t>
+            </a:r>
+            <a:r>
+              <a:rPr lang="de-AT" dirty="0"/>
+              <a:t> </a:t>
+            </a:r>
+            <a:r>
+              <a:rPr lang="de-AT" dirty="0" err="1"/>
+              <a:t>of</a:t>
+            </a:r>
+            <a:r>
+              <a:rPr lang="de-AT" dirty="0"/>
+              <a:t> </a:t>
+            </a:r>
+            <a:r>
+              <a:rPr lang="de-AT" dirty="0" err="1"/>
+              <a:t>classes</a:t>
+            </a:r>
+            <a:r>
+              <a:rPr lang="de-AT" dirty="0"/>
+              <a:t>, sample </a:t>
+            </a:r>
+            <a:r>
+              <a:rPr lang="de-AT" dirty="0" err="1"/>
+              <a:t>weights</a:t>
+            </a:r>
+            <a:r>
+              <a:rPr lang="de-AT" dirty="0"/>
+              <a:t> </a:t>
+            </a:r>
+            <a:r>
+              <a:rPr lang="de-AT" dirty="0" err="1"/>
+              <a:t>were</a:t>
+            </a:r>
+            <a:r>
+              <a:rPr lang="de-AT" dirty="0"/>
+              <a:t> </a:t>
+            </a:r>
+            <a:r>
+              <a:rPr lang="de-AT" dirty="0" err="1"/>
+              <a:t>calculated</a:t>
+            </a:r>
+            <a:r>
+              <a:rPr lang="de-AT" dirty="0"/>
+              <a:t> </a:t>
+            </a:r>
+            <a:r>
+              <a:rPr lang="de-AT" dirty="0" err="1"/>
+              <a:t>to</a:t>
+            </a:r>
+            <a:r>
+              <a:rPr lang="de-AT" dirty="0"/>
+              <a:t> </a:t>
+            </a:r>
+            <a:r>
+              <a:rPr lang="de-AT" dirty="0" err="1"/>
+              <a:t>give</a:t>
+            </a:r>
+            <a:r>
+              <a:rPr lang="de-AT" dirty="0"/>
+              <a:t> a </a:t>
+            </a:r>
+            <a:r>
+              <a:rPr lang="de-AT" dirty="0" err="1"/>
+              <a:t>higher</a:t>
+            </a:r>
+            <a:r>
+              <a:rPr lang="de-AT" dirty="0"/>
+              <a:t> </a:t>
+            </a:r>
+            <a:r>
+              <a:rPr lang="de-AT" dirty="0" err="1"/>
+              <a:t>importance</a:t>
+            </a:r>
+            <a:r>
+              <a:rPr lang="de-AT" dirty="0"/>
+              <a:t> </a:t>
+            </a:r>
+            <a:r>
+              <a:rPr lang="de-AT" dirty="0" err="1"/>
+              <a:t>to</a:t>
+            </a:r>
+            <a:r>
+              <a:rPr lang="de-AT" dirty="0"/>
+              <a:t> </a:t>
+            </a:r>
+            <a:r>
+              <a:rPr lang="de-AT" dirty="0" err="1"/>
+              <a:t>samples</a:t>
+            </a:r>
+            <a:r>
+              <a:rPr lang="de-AT" dirty="0"/>
+              <a:t> </a:t>
+            </a:r>
+            <a:r>
+              <a:rPr lang="de-AT" dirty="0" err="1"/>
+              <a:t>of</a:t>
+            </a:r>
+            <a:r>
+              <a:rPr lang="de-AT" dirty="0"/>
+              <a:t> </a:t>
+            </a:r>
+            <a:r>
+              <a:rPr lang="de-AT" dirty="0" err="1"/>
+              <a:t>classes</a:t>
+            </a:r>
+            <a:r>
+              <a:rPr lang="de-AT" dirty="0"/>
+              <a:t> </a:t>
+            </a:r>
+            <a:r>
+              <a:rPr lang="de-AT" dirty="0" err="1"/>
+              <a:t>that</a:t>
+            </a:r>
+            <a:r>
+              <a:rPr lang="de-AT" dirty="0"/>
+              <a:t> </a:t>
+            </a:r>
+            <a:r>
+              <a:rPr lang="de-AT" dirty="0" err="1"/>
+              <a:t>don‘t</a:t>
+            </a:r>
+            <a:r>
+              <a:rPr lang="de-AT" dirty="0"/>
+              <a:t> </a:t>
+            </a:r>
+            <a:r>
+              <a:rPr lang="de-AT" dirty="0" err="1"/>
+              <a:t>occur</a:t>
+            </a:r>
+            <a:r>
+              <a:rPr lang="de-AT" dirty="0"/>
+              <a:t> </a:t>
+            </a:r>
+            <a:r>
+              <a:rPr lang="de-AT" dirty="0" err="1"/>
+              <a:t>that</a:t>
+            </a:r>
+            <a:r>
+              <a:rPr lang="de-AT" dirty="0"/>
+              <a:t> </a:t>
+            </a:r>
+            <a:r>
+              <a:rPr lang="de-AT" dirty="0" err="1"/>
+              <a:t>often</a:t>
+            </a:r>
+            <a:endParaRPr lang="de-AT" dirty="0"/>
+          </a:p>
+          <a:p>
+            <a:pPr lvl="0"/>
+            <a:r>
+              <a:rPr lang="de-AT" dirty="0"/>
+              <a:t>These </a:t>
+            </a:r>
+            <a:r>
+              <a:rPr lang="de-AT" dirty="0" err="1"/>
+              <a:t>class</a:t>
+            </a:r>
+            <a:r>
+              <a:rPr lang="de-AT" dirty="0"/>
+              <a:t> </a:t>
+            </a:r>
+            <a:r>
+              <a:rPr lang="de-AT" dirty="0" err="1"/>
+              <a:t>weights</a:t>
+            </a:r>
+            <a:r>
+              <a:rPr lang="de-AT" dirty="0"/>
+              <a:t> </a:t>
+            </a:r>
+            <a:r>
+              <a:rPr lang="de-AT" dirty="0" err="1"/>
+              <a:t>were</a:t>
+            </a:r>
+            <a:r>
+              <a:rPr lang="de-AT" dirty="0"/>
+              <a:t> </a:t>
+            </a:r>
+            <a:r>
+              <a:rPr lang="de-AT" dirty="0" err="1"/>
+              <a:t>calculated</a:t>
+            </a:r>
+            <a:r>
+              <a:rPr lang="de-AT" dirty="0"/>
+              <a:t> </a:t>
+            </a:r>
+            <a:r>
+              <a:rPr lang="de-AT" dirty="0" err="1"/>
+              <a:t>by</a:t>
+            </a:r>
+            <a:r>
+              <a:rPr lang="de-AT" dirty="0"/>
+              <a:t> </a:t>
+            </a:r>
+            <a:r>
+              <a:rPr lang="de-AT" dirty="0" err="1"/>
+              <a:t>taking</a:t>
+            </a:r>
+            <a:r>
+              <a:rPr lang="de-AT" dirty="0"/>
+              <a:t> </a:t>
+            </a:r>
+            <a:r>
+              <a:rPr lang="de-AT" dirty="0" err="1"/>
+              <a:t>the</a:t>
+            </a:r>
+            <a:r>
+              <a:rPr lang="de-AT" dirty="0"/>
+              <a:t> </a:t>
+            </a:r>
+            <a:r>
+              <a:rPr lang="de-AT" dirty="0" err="1"/>
+              <a:t>reciprocal</a:t>
+            </a:r>
+            <a:r>
+              <a:rPr lang="de-AT" dirty="0"/>
+              <a:t> </a:t>
+            </a:r>
+            <a:r>
+              <a:rPr lang="de-AT" dirty="0" err="1"/>
+              <a:t>value</a:t>
+            </a:r>
+            <a:r>
+              <a:rPr lang="de-AT" dirty="0"/>
+              <a:t> </a:t>
+            </a:r>
+            <a:r>
+              <a:rPr lang="de-AT" dirty="0" err="1"/>
+              <a:t>of</a:t>
+            </a:r>
+            <a:r>
+              <a:rPr lang="de-AT" dirty="0"/>
+              <a:t> </a:t>
+            </a:r>
+            <a:r>
+              <a:rPr lang="de-AT" dirty="0" err="1"/>
+              <a:t>the</a:t>
+            </a:r>
+            <a:r>
+              <a:rPr lang="de-AT" dirty="0"/>
+              <a:t> </a:t>
+            </a:r>
+            <a:r>
+              <a:rPr lang="de-AT" dirty="0" err="1"/>
+              <a:t>number</a:t>
+            </a:r>
+            <a:r>
+              <a:rPr lang="de-AT" dirty="0"/>
+              <a:t> </a:t>
+            </a:r>
+            <a:r>
+              <a:rPr lang="de-AT" dirty="0" err="1"/>
+              <a:t>of</a:t>
+            </a:r>
+            <a:r>
+              <a:rPr lang="de-AT" dirty="0"/>
+              <a:t> </a:t>
+            </a:r>
+            <a:r>
+              <a:rPr lang="de-AT" dirty="0" err="1"/>
+              <a:t>times</a:t>
+            </a:r>
+            <a:r>
+              <a:rPr lang="de-AT" dirty="0"/>
+              <a:t> </a:t>
+            </a:r>
+            <a:r>
+              <a:rPr lang="de-AT" dirty="0" err="1"/>
+              <a:t>each</a:t>
+            </a:r>
+            <a:r>
+              <a:rPr lang="de-AT" dirty="0"/>
+              <a:t> </a:t>
+            </a:r>
+            <a:r>
+              <a:rPr lang="de-AT" dirty="0" err="1"/>
+              <a:t>class</a:t>
+            </a:r>
+            <a:r>
+              <a:rPr lang="de-AT" dirty="0"/>
+              <a:t> </a:t>
+            </a:r>
+            <a:r>
+              <a:rPr lang="de-AT" dirty="0" err="1"/>
+              <a:t>occured</a:t>
+            </a:r>
+            <a:r>
+              <a:rPr lang="de-AT" dirty="0"/>
+              <a:t> in </a:t>
+            </a:r>
+            <a:r>
+              <a:rPr lang="de-AT" dirty="0" err="1"/>
+              <a:t>the</a:t>
+            </a:r>
+            <a:r>
+              <a:rPr lang="de-AT" dirty="0"/>
+              <a:t> </a:t>
+            </a:r>
+            <a:r>
+              <a:rPr lang="de-AT" dirty="0" err="1"/>
+              <a:t>data</a:t>
+            </a:r>
+            <a:r>
+              <a:rPr lang="de-AT" dirty="0"/>
+              <a:t> </a:t>
+            </a:r>
+            <a:r>
+              <a:rPr lang="de-AT" dirty="0" err="1"/>
+              <a:t>set</a:t>
+            </a:r>
+            <a:endParaRPr lang="de-AT" dirty="0"/>
+          </a:p>
+          <a:p>
+            <a:pPr lvl="0"/>
+            <a:r>
+              <a:rPr lang="de-AT" dirty="0"/>
+              <a:t>After </a:t>
+            </a:r>
+            <a:r>
+              <a:rPr lang="de-AT" dirty="0" err="1"/>
+              <a:t>deviding</a:t>
+            </a:r>
+            <a:r>
+              <a:rPr lang="de-AT" dirty="0"/>
+              <a:t> </a:t>
+            </a:r>
+            <a:r>
+              <a:rPr lang="de-AT" dirty="0" err="1"/>
+              <a:t>the</a:t>
+            </a:r>
+            <a:r>
+              <a:rPr lang="de-AT" dirty="0"/>
+              <a:t> </a:t>
+            </a:r>
+            <a:r>
+              <a:rPr lang="de-AT" dirty="0" err="1"/>
+              <a:t>weights</a:t>
+            </a:r>
+            <a:r>
+              <a:rPr lang="de-AT" dirty="0"/>
+              <a:t> </a:t>
+            </a:r>
+            <a:r>
+              <a:rPr lang="de-AT" dirty="0" err="1"/>
+              <a:t>by</a:t>
+            </a:r>
+            <a:r>
+              <a:rPr lang="de-AT" dirty="0"/>
+              <a:t> 2 and </a:t>
             </a:r>
             <a:br>
-              <a:rPr lang="de-AT"/>
+              <a:rPr lang="de-AT" dirty="0"/>
             </a:br>
             <a:r>
-              <a:rPr lang="de-AT"/>
-              <a:t>setting the weight for class 2 to 2 the </a:t>
+              <a:rPr lang="de-AT" dirty="0" err="1"/>
+              <a:t>setting</a:t>
+            </a:r>
+            <a:r>
+              <a:rPr lang="de-AT" dirty="0"/>
+              <a:t> </a:t>
+            </a:r>
+            <a:r>
+              <a:rPr lang="de-AT" dirty="0" err="1"/>
+              <a:t>the</a:t>
+            </a:r>
+            <a:r>
+              <a:rPr lang="de-AT" dirty="0"/>
+              <a:t> </a:t>
+            </a:r>
+            <a:r>
+              <a:rPr lang="de-AT" dirty="0" err="1"/>
+              <a:t>weight</a:t>
+            </a:r>
+            <a:r>
+              <a:rPr lang="de-AT" dirty="0"/>
+              <a:t> </a:t>
+            </a:r>
+            <a:r>
+              <a:rPr lang="de-AT" dirty="0" err="1"/>
+              <a:t>for</a:t>
+            </a:r>
+            <a:r>
+              <a:rPr lang="de-AT" dirty="0"/>
+              <a:t> </a:t>
+            </a:r>
+            <a:r>
+              <a:rPr lang="de-AT" dirty="0" err="1"/>
+              <a:t>class</a:t>
+            </a:r>
+            <a:r>
+              <a:rPr lang="de-AT" dirty="0"/>
+              <a:t> 0 </a:t>
+            </a:r>
+            <a:r>
+              <a:rPr lang="de-AT" dirty="0" err="1"/>
+              <a:t>to</a:t>
+            </a:r>
+            <a:r>
+              <a:rPr lang="de-AT" dirty="0"/>
+              <a:t> 2 (</a:t>
+            </a:r>
+            <a:r>
+              <a:rPr lang="de-AT" dirty="0" err="1"/>
+              <a:t>as</a:t>
+            </a:r>
+            <a:r>
+              <a:rPr lang="de-AT" dirty="0"/>
+              <a:t> </a:t>
             </a:r>
             <a:br>
-              <a:rPr lang="de-AT"/>
+              <a:rPr lang="de-AT" dirty="0"/>
             </a:br>
             <a:r>
-              <a:rPr lang="de-AT"/>
-              <a:t>resulting weights are:</a:t>
+              <a:rPr lang="de-AT" dirty="0" err="1"/>
+              <a:t>this</a:t>
+            </a:r>
+            <a:r>
+              <a:rPr lang="de-AT" dirty="0"/>
+              <a:t> </a:t>
+            </a:r>
+            <a:r>
+              <a:rPr lang="de-AT" dirty="0" err="1"/>
+              <a:t>seemed</a:t>
+            </a:r>
+            <a:r>
+              <a:rPr lang="de-AT" dirty="0"/>
+              <a:t> </a:t>
+            </a:r>
+            <a:r>
+              <a:rPr lang="de-AT" dirty="0" err="1"/>
+              <a:t>to</a:t>
+            </a:r>
+            <a:r>
+              <a:rPr lang="de-AT" dirty="0"/>
+              <a:t> </a:t>
+            </a:r>
+            <a:r>
+              <a:rPr lang="de-AT" dirty="0" err="1"/>
+              <a:t>give</a:t>
+            </a:r>
+            <a:r>
+              <a:rPr lang="de-AT" dirty="0"/>
+              <a:t> </a:t>
+            </a:r>
+            <a:r>
+              <a:rPr lang="de-AT" dirty="0" err="1"/>
+              <a:t>better</a:t>
+            </a:r>
+            <a:r>
+              <a:rPr lang="de-AT" dirty="0"/>
+              <a:t> </a:t>
+            </a:r>
+            <a:r>
+              <a:rPr lang="de-AT" dirty="0" err="1"/>
+              <a:t>results</a:t>
+            </a:r>
+            <a:r>
+              <a:rPr lang="de-AT" dirty="0"/>
+              <a:t>) </a:t>
+            </a:r>
+            <a:r>
+              <a:rPr lang="de-AT" dirty="0" err="1"/>
+              <a:t>the</a:t>
+            </a:r>
+            <a:r>
+              <a:rPr lang="de-AT" dirty="0"/>
+              <a:t> </a:t>
+            </a:r>
+            <a:br>
+              <a:rPr lang="de-AT" dirty="0"/>
+            </a:br>
+            <a:r>
+              <a:rPr lang="de-AT" dirty="0" err="1"/>
+              <a:t>resulting</a:t>
+            </a:r>
+            <a:r>
+              <a:rPr lang="de-AT" dirty="0"/>
+              <a:t> </a:t>
+            </a:r>
+            <a:r>
+              <a:rPr lang="de-AT" dirty="0" err="1"/>
+              <a:t>weights</a:t>
+            </a:r>
+            <a:r>
+              <a:rPr lang="de-AT" dirty="0"/>
+              <a:t> </a:t>
+            </a:r>
+            <a:r>
+              <a:rPr lang="de-AT" dirty="0" err="1"/>
+              <a:t>are</a:t>
+            </a:r>
+            <a:r>
+              <a:rPr lang="de-AT" dirty="0"/>
+              <a:t>:</a:t>
             </a:r>
           </a:p>
         </p:txBody>

--- a/Challenge Presentation.pptx
+++ b/Challenge Presentation.pptx
@@ -13,8 +13,8 @@
     <p:sldId id="266" r:id="rId7"/>
     <p:sldId id="272" r:id="rId8"/>
     <p:sldId id="273" r:id="rId9"/>
-    <p:sldId id="276" r:id="rId10"/>
-    <p:sldId id="277" r:id="rId11"/>
+    <p:sldId id="269" r:id="rId10"/>
+    <p:sldId id="260" r:id="rId11"/>
     <p:sldId id="261" r:id="rId12"/>
     <p:sldId id="262" r:id="rId13"/>
     <p:sldId id="268" r:id="rId14"/>
@@ -138,9 +138,73 @@
 <file path=ppt/changesInfos/changesInfo1.xml><?xml version="1.0" encoding="utf-8"?>
 <pc:chgInfo xmlns:a="http://schemas.openxmlformats.org/drawingml/2006/main" xmlns:r="http://schemas.openxmlformats.org/officeDocument/2006/relationships" xmlns:ac="http://schemas.microsoft.com/office/drawing/2013/main/command" xmlns:pc="http://schemas.microsoft.com/office/powerpoint/2013/main/command">
   <pc:docChgLst>
+    <pc:chgData name="Sandro Assek" userId="c00f4fa3-2fb0-4ff2-817b-9b12cde38168" providerId="ADAL" clId="{879E222E-A6AC-41DC-AC0B-D5A2E8530FCD}"/>
+    <pc:docChg chg="custSel modSld">
+      <pc:chgData name="Sandro Assek" userId="c00f4fa3-2fb0-4ff2-817b-9b12cde38168" providerId="ADAL" clId="{879E222E-A6AC-41DC-AC0B-D5A2E8530FCD}" dt="2023-06-22T10:08:47.498" v="845" actId="20577"/>
+      <pc:docMkLst>
+        <pc:docMk/>
+      </pc:docMkLst>
+      <pc:sldChg chg="addSp delSp modSp">
+        <pc:chgData name="Sandro Assek" userId="c00f4fa3-2fb0-4ff2-817b-9b12cde38168" providerId="ADAL" clId="{879E222E-A6AC-41DC-AC0B-D5A2E8530FCD}" dt="2023-06-22T10:08:47.498" v="845" actId="20577"/>
+        <pc:sldMkLst>
+          <pc:docMk/>
+          <pc:sldMk cId="0" sldId="261"/>
+        </pc:sldMkLst>
+        <pc:spChg chg="mod">
+          <ac:chgData name="Sandro Assek" userId="c00f4fa3-2fb0-4ff2-817b-9b12cde38168" providerId="ADAL" clId="{879E222E-A6AC-41DC-AC0B-D5A2E8530FCD}" dt="2023-06-22T10:08:47.498" v="845" actId="20577"/>
+          <ac:spMkLst>
+            <pc:docMk/>
+            <pc:sldMk cId="0" sldId="261"/>
+            <ac:spMk id="3" creationId="{56EB18EA-23DD-83D7-C46F-87CF567AA9C5}"/>
+          </ac:spMkLst>
+        </pc:spChg>
+        <pc:spChg chg="add del mod">
+          <ac:chgData name="Sandro Assek" userId="c00f4fa3-2fb0-4ff2-817b-9b12cde38168" providerId="ADAL" clId="{879E222E-A6AC-41DC-AC0B-D5A2E8530FCD}" dt="2023-06-22T09:57:55.096" v="499"/>
+          <ac:spMkLst>
+            <pc:docMk/>
+            <pc:sldMk cId="0" sldId="261"/>
+            <ac:spMk id="6" creationId="{0ABC2269-5474-4543-9117-BE011B8DE079}"/>
+          </ac:spMkLst>
+        </pc:spChg>
+        <pc:spChg chg="add del mod">
+          <ac:chgData name="Sandro Assek" userId="c00f4fa3-2fb0-4ff2-817b-9b12cde38168" providerId="ADAL" clId="{879E222E-A6AC-41DC-AC0B-D5A2E8530FCD}" dt="2023-06-22T09:57:30.581" v="491"/>
+          <ac:spMkLst>
+            <pc:docMk/>
+            <pc:sldMk cId="0" sldId="261"/>
+            <ac:spMk id="7" creationId="{61DFA534-0997-45A5-91E8-E7DA0D8FC34F}"/>
+          </ac:spMkLst>
+        </pc:spChg>
+        <pc:spChg chg="add del mod">
+          <ac:chgData name="Sandro Assek" userId="c00f4fa3-2fb0-4ff2-817b-9b12cde38168" providerId="ADAL" clId="{879E222E-A6AC-41DC-AC0B-D5A2E8530FCD}" dt="2023-06-22T09:58:06.318" v="507"/>
+          <ac:spMkLst>
+            <pc:docMk/>
+            <pc:sldMk cId="0" sldId="261"/>
+            <ac:spMk id="8" creationId="{8E394262-71D2-4E21-A7B6-F601C885BDDF}"/>
+          </ac:spMkLst>
+        </pc:spChg>
+        <pc:picChg chg="add mod">
+          <ac:chgData name="Sandro Assek" userId="c00f4fa3-2fb0-4ff2-817b-9b12cde38168" providerId="ADAL" clId="{879E222E-A6AC-41DC-AC0B-D5A2E8530FCD}" dt="2023-06-22T10:00:44.345" v="540" actId="1076"/>
+          <ac:picMkLst>
+            <pc:docMk/>
+            <pc:sldMk cId="0" sldId="261"/>
+            <ac:picMk id="4" creationId="{7939D6C8-C7D4-45B8-BAA1-52C915844E54}"/>
+          </ac:picMkLst>
+        </pc:picChg>
+        <pc:picChg chg="add mod">
+          <ac:chgData name="Sandro Assek" userId="c00f4fa3-2fb0-4ff2-817b-9b12cde38168" providerId="ADAL" clId="{879E222E-A6AC-41DC-AC0B-D5A2E8530FCD}" dt="2023-06-22T10:00:42.339" v="539" actId="1076"/>
+          <ac:picMkLst>
+            <pc:docMk/>
+            <pc:sldMk cId="0" sldId="261"/>
+            <ac:picMk id="5" creationId="{58C3CA90-12AF-4E69-9A3A-3BE589835619}"/>
+          </ac:picMkLst>
+        </pc:picChg>
+      </pc:sldChg>
+    </pc:docChg>
+  </pc:docChgLst>
+  <pc:docChgLst>
     <pc:chgData name="Wittner Christoph" userId="fc7457a2-a2ef-4f24-b8b5-f1361b29663d" providerId="ADAL" clId="{80847FDB-E8F1-463B-ADD5-88886BABD9D6}"/>
     <pc:docChg chg="undo custSel addSld delSld modSld sldOrd">
-      <pc:chgData name="Wittner Christoph" userId="fc7457a2-a2ef-4f24-b8b5-f1361b29663d" providerId="ADAL" clId="{80847FDB-E8F1-463B-ADD5-88886BABD9D6}" dt="2023-06-22T08:15:32.579" v="2175" actId="20577"/>
+      <pc:chgData name="Wittner Christoph" userId="fc7457a2-a2ef-4f24-b8b5-f1361b29663d" providerId="ADAL" clId="{80847FDB-E8F1-463B-ADD5-88886BABD9D6}" dt="2023-06-22T13:03:11.616" v="2199" actId="1076"/>
       <pc:docMkLst>
         <pc:docMk/>
       </pc:docMkLst>
@@ -165,6 +229,29 @@
             <ac:spMk id="5" creationId="{0C8EC177-AB36-2CD1-D2B3-DBA613463D47}"/>
           </ac:spMkLst>
         </pc:spChg>
+      </pc:sldChg>
+      <pc:sldChg chg="addSp delSp modSp mod">
+        <pc:chgData name="Wittner Christoph" userId="fc7457a2-a2ef-4f24-b8b5-f1361b29663d" providerId="ADAL" clId="{80847FDB-E8F1-463B-ADD5-88886BABD9D6}" dt="2023-06-22T13:03:11.616" v="2199" actId="1076"/>
+        <pc:sldMkLst>
+          <pc:docMk/>
+          <pc:sldMk cId="0" sldId="266"/>
+        </pc:sldMkLst>
+        <pc:picChg chg="del">
+          <ac:chgData name="Wittner Christoph" userId="fc7457a2-a2ef-4f24-b8b5-f1361b29663d" providerId="ADAL" clId="{80847FDB-E8F1-463B-ADD5-88886BABD9D6}" dt="2023-06-22T13:03:01.550" v="2198" actId="478"/>
+          <ac:picMkLst>
+            <pc:docMk/>
+            <pc:sldMk cId="0" sldId="266"/>
+            <ac:picMk id="4" creationId="{29C3685B-D77F-F504-BA45-1268D4BBC96C}"/>
+          </ac:picMkLst>
+        </pc:picChg>
+        <pc:picChg chg="add mod">
+          <ac:chgData name="Wittner Christoph" userId="fc7457a2-a2ef-4f24-b8b5-f1361b29663d" providerId="ADAL" clId="{80847FDB-E8F1-463B-ADD5-88886BABD9D6}" dt="2023-06-22T13:03:11.616" v="2199" actId="1076"/>
+          <ac:picMkLst>
+            <pc:docMk/>
+            <pc:sldMk cId="0" sldId="266"/>
+            <ac:picMk id="6" creationId="{ACDDE090-FDF6-6BEE-72C2-339E2A9A2A37}"/>
+          </ac:picMkLst>
+        </pc:picChg>
       </pc:sldChg>
       <pc:sldChg chg="modSp mod ord">
         <pc:chgData name="Wittner Christoph" userId="fc7457a2-a2ef-4f24-b8b5-f1361b29663d" providerId="ADAL" clId="{80847FDB-E8F1-463B-ADD5-88886BABD9D6}" dt="2023-06-22T07:49:37.225" v="1126"/>
@@ -426,70 +513,6 @@
       </pc:sldChg>
     </pc:docChg>
   </pc:docChgLst>
-  <pc:docChgLst>
-    <pc:chgData name="Sandro Assek" userId="c00f4fa3-2fb0-4ff2-817b-9b12cde38168" providerId="ADAL" clId="{879E222E-A6AC-41DC-AC0B-D5A2E8530FCD}"/>
-    <pc:docChg chg="custSel modSld">
-      <pc:chgData name="Sandro Assek" userId="c00f4fa3-2fb0-4ff2-817b-9b12cde38168" providerId="ADAL" clId="{879E222E-A6AC-41DC-AC0B-D5A2E8530FCD}" dt="2023-06-22T10:08:47.498" v="845" actId="20577"/>
-      <pc:docMkLst>
-        <pc:docMk/>
-      </pc:docMkLst>
-      <pc:sldChg chg="addSp delSp modSp">
-        <pc:chgData name="Sandro Assek" userId="c00f4fa3-2fb0-4ff2-817b-9b12cde38168" providerId="ADAL" clId="{879E222E-A6AC-41DC-AC0B-D5A2E8530FCD}" dt="2023-06-22T10:08:47.498" v="845" actId="20577"/>
-        <pc:sldMkLst>
-          <pc:docMk/>
-          <pc:sldMk cId="0" sldId="261"/>
-        </pc:sldMkLst>
-        <pc:spChg chg="mod">
-          <ac:chgData name="Sandro Assek" userId="c00f4fa3-2fb0-4ff2-817b-9b12cde38168" providerId="ADAL" clId="{879E222E-A6AC-41DC-AC0B-D5A2E8530FCD}" dt="2023-06-22T10:08:47.498" v="845" actId="20577"/>
-          <ac:spMkLst>
-            <pc:docMk/>
-            <pc:sldMk cId="0" sldId="261"/>
-            <ac:spMk id="3" creationId="{56EB18EA-23DD-83D7-C46F-87CF567AA9C5}"/>
-          </ac:spMkLst>
-        </pc:spChg>
-        <pc:spChg chg="add del mod">
-          <ac:chgData name="Sandro Assek" userId="c00f4fa3-2fb0-4ff2-817b-9b12cde38168" providerId="ADAL" clId="{879E222E-A6AC-41DC-AC0B-D5A2E8530FCD}" dt="2023-06-22T09:57:55.096" v="499"/>
-          <ac:spMkLst>
-            <pc:docMk/>
-            <pc:sldMk cId="0" sldId="261"/>
-            <ac:spMk id="6" creationId="{0ABC2269-5474-4543-9117-BE011B8DE079}"/>
-          </ac:spMkLst>
-        </pc:spChg>
-        <pc:spChg chg="add del mod">
-          <ac:chgData name="Sandro Assek" userId="c00f4fa3-2fb0-4ff2-817b-9b12cde38168" providerId="ADAL" clId="{879E222E-A6AC-41DC-AC0B-D5A2E8530FCD}" dt="2023-06-22T09:57:30.581" v="491"/>
-          <ac:spMkLst>
-            <pc:docMk/>
-            <pc:sldMk cId="0" sldId="261"/>
-            <ac:spMk id="7" creationId="{61DFA534-0997-45A5-91E8-E7DA0D8FC34F}"/>
-          </ac:spMkLst>
-        </pc:spChg>
-        <pc:spChg chg="add del mod">
-          <ac:chgData name="Sandro Assek" userId="c00f4fa3-2fb0-4ff2-817b-9b12cde38168" providerId="ADAL" clId="{879E222E-A6AC-41DC-AC0B-D5A2E8530FCD}" dt="2023-06-22T09:58:06.318" v="507"/>
-          <ac:spMkLst>
-            <pc:docMk/>
-            <pc:sldMk cId="0" sldId="261"/>
-            <ac:spMk id="8" creationId="{8E394262-71D2-4E21-A7B6-F601C885BDDF}"/>
-          </ac:spMkLst>
-        </pc:spChg>
-        <pc:picChg chg="add mod">
-          <ac:chgData name="Sandro Assek" userId="c00f4fa3-2fb0-4ff2-817b-9b12cde38168" providerId="ADAL" clId="{879E222E-A6AC-41DC-AC0B-D5A2E8530FCD}" dt="2023-06-22T10:00:44.345" v="540" actId="1076"/>
-          <ac:picMkLst>
-            <pc:docMk/>
-            <pc:sldMk cId="0" sldId="261"/>
-            <ac:picMk id="4" creationId="{7939D6C8-C7D4-45B8-BAA1-52C915844E54}"/>
-          </ac:picMkLst>
-        </pc:picChg>
-        <pc:picChg chg="add mod">
-          <ac:chgData name="Sandro Assek" userId="c00f4fa3-2fb0-4ff2-817b-9b12cde38168" providerId="ADAL" clId="{879E222E-A6AC-41DC-AC0B-D5A2E8530FCD}" dt="2023-06-22T10:00:42.339" v="539" actId="1076"/>
-          <ac:picMkLst>
-            <pc:docMk/>
-            <pc:sldMk cId="0" sldId="261"/>
-            <ac:picMk id="5" creationId="{58C3CA90-12AF-4E69-9A3A-3BE589835619}"/>
-          </ac:picMkLst>
-        </pc:picChg>
-      </pc:sldChg>
-    </pc:docChg>
-  </pc:docChgLst>
 </pc:chgInfo>
 </file>
 
@@ -681,7 +704,7 @@
           <a:p>
             <a:pPr lvl="0"/>
             <a:fld id="{42BA9B41-DA04-4F58-AA74-4B9472D731E1}" type="slidenum">
-              <a:t>‹Nr.›</a:t>
+              <a:t>‹#›</a:t>
             </a:fld>
             <a:endParaRPr lang="de-DE"/>
           </a:p>
@@ -918,7 +941,7 @@
           <a:p>
             <a:pPr lvl="0"/>
             <a:fld id="{0239BA78-B16C-4AAC-A728-AEFC4703D0AD}" type="slidenum">
-              <a:t>‹Nr.›</a:t>
+              <a:t>‹#›</a:t>
             </a:fld>
             <a:endParaRPr lang="de-DE"/>
           </a:p>
@@ -1164,7 +1187,7 @@
           <a:p>
             <a:pPr lvl="0"/>
             <a:fld id="{0CD7FD27-A706-4453-B1B4-C9E5F3579808}" type="slidenum">
-              <a:t>‹Nr.›</a:t>
+              <a:t>‹#›</a:t>
             </a:fld>
             <a:endParaRPr lang="de-DE"/>
           </a:p>
@@ -1400,7 +1423,7 @@
           <a:p>
             <a:pPr lvl="0"/>
             <a:fld id="{1368AC57-4802-4BF3-803F-BD5FC90033A4}" type="slidenum">
-              <a:t>‹Nr.›</a:t>
+              <a:t>‹#›</a:t>
             </a:fld>
             <a:endParaRPr lang="de-DE"/>
           </a:p>
@@ -1611,7 +1634,7 @@
           <a:p>
             <a:pPr lvl="0"/>
             <a:fld id="{51F48843-55FE-4C4C-88D4-6BB9C8C8739F}" type="slidenum">
-              <a:t>‹Nr.›</a:t>
+              <a:t>‹#›</a:t>
             </a:fld>
             <a:endParaRPr lang="de-DE"/>
           </a:p>
@@ -1931,7 +1954,7 @@
           <a:p>
             <a:pPr lvl="0"/>
             <a:fld id="{B3B730D7-8C0C-41EF-A169-230F34CE8E1B}" type="slidenum">
-              <a:t>‹Nr.›</a:t>
+              <a:t>‹#›</a:t>
             </a:fld>
             <a:endParaRPr lang="de-DE"/>
           </a:p>
@@ -2334,7 +2357,7 @@
           <a:p>
             <a:pPr lvl="0"/>
             <a:fld id="{428E59DF-F9A7-45CE-8399-C79E79CD0A0A}" type="slidenum">
-              <a:t>‹Nr.›</a:t>
+              <a:t>‹#›</a:t>
             </a:fld>
             <a:endParaRPr lang="de-DE"/>
           </a:p>
@@ -2496,7 +2519,7 @@
           <a:p>
             <a:pPr lvl="0"/>
             <a:fld id="{32E3A4B9-CB0E-4BCE-965A-6882450B5A44}" type="slidenum">
-              <a:t>‹Nr.›</a:t>
+              <a:t>‹#›</a:t>
             </a:fld>
             <a:endParaRPr lang="de-DE"/>
           </a:p>
@@ -2624,7 +2647,7 @@
           <a:p>
             <a:pPr lvl="0"/>
             <a:fld id="{BBF9BF89-8DF7-462F-83A4-379B16AADBA8}" type="slidenum">
-              <a:t>‹Nr.›</a:t>
+              <a:t>‹#›</a:t>
             </a:fld>
             <a:endParaRPr lang="de-DE"/>
           </a:p>
@@ -2909,7 +2932,7 @@
           <a:p>
             <a:pPr lvl="0"/>
             <a:fld id="{559A422C-B82B-4A46-AF36-EC65498404E3}" type="slidenum">
-              <a:t>‹Nr.›</a:t>
+              <a:t>‹#›</a:t>
             </a:fld>
             <a:endParaRPr lang="de-DE"/>
           </a:p>
@@ -3151,7 +3174,7 @@
           <a:p>
             <a:pPr lvl="0"/>
             <a:fld id="{7C81FA7C-24F3-48DB-B8D8-D9C88B2EA174}" type="slidenum">
-              <a:t>‹Nr.›</a:t>
+              <a:t>‹#›</a:t>
             </a:fld>
             <a:endParaRPr lang="de-DE"/>
           </a:p>
@@ -3496,7 +3519,7 @@
           <a:p>
             <a:pPr lvl="0"/>
             <a:fld id="{874B1260-3206-49A4-AB81-18C63B89D944}" type="slidenum">
-              <a:t>‹Nr.›</a:t>
+              <a:t>‹#›</a:t>
             </a:fld>
             <a:endParaRPr lang="de-DE"/>
           </a:p>
@@ -3990,7 +4013,7 @@
 
 <file path=ppt/slides/slide10.xml><?xml version="1.0" encoding="utf-8"?>
 <p:sld xmlns:a="http://schemas.openxmlformats.org/drawingml/2006/main" xmlns:r="http://schemas.openxmlformats.org/officeDocument/2006/relationships" xmlns:p="http://schemas.openxmlformats.org/presentationml/2006/main">
-  <p:cSld>
+  <p:cSld name="Slide5">
     <p:spTree>
       <p:nvGrpSpPr>
         <p:cNvPr id="1" name=""/>
@@ -4057,314 +4080,18 @@
           <a:p>
             <a:pPr lvl="0"/>
             <a:r>
-              <a:rPr lang="de-AT" dirty="0" err="1"/>
-              <a:t>With</a:t>
-            </a:r>
-            <a:r>
-              <a:rPr lang="de-AT" dirty="0"/>
-              <a:t> 400 </a:t>
-            </a:r>
-            <a:r>
-              <a:rPr lang="de-AT" dirty="0" err="1"/>
-              <a:t>estimators</a:t>
-            </a:r>
-            <a:r>
-              <a:rPr lang="de-AT" dirty="0"/>
-              <a:t>, a </a:t>
-            </a:r>
-            <a:r>
-              <a:rPr lang="de-AT" dirty="0" err="1"/>
-              <a:t>learning</a:t>
-            </a:r>
-            <a:r>
-              <a:rPr lang="de-AT" dirty="0"/>
-              <a:t> rate </a:t>
-            </a:r>
-            <a:r>
-              <a:rPr lang="de-AT" dirty="0" err="1"/>
-              <a:t>of</a:t>
-            </a:r>
-            <a:r>
-              <a:rPr lang="de-AT" dirty="0"/>
-              <a:t> 0.1 and a </a:t>
-            </a:r>
-            <a:r>
-              <a:rPr lang="de-AT" dirty="0" err="1"/>
-              <a:t>max_depth</a:t>
-            </a:r>
-            <a:r>
-              <a:rPr lang="de-AT" dirty="0"/>
-              <a:t> </a:t>
-            </a:r>
-            <a:r>
-              <a:rPr lang="de-AT" dirty="0" err="1"/>
-              <a:t>of</a:t>
-            </a:r>
-            <a:r>
-              <a:rPr lang="de-AT" dirty="0"/>
-              <a:t> 4 </a:t>
-            </a:r>
-            <a:r>
-              <a:rPr lang="de-AT" dirty="0" err="1"/>
-              <a:t>the</a:t>
-            </a:r>
-            <a:r>
-              <a:rPr lang="de-AT" dirty="0"/>
-              <a:t> </a:t>
-            </a:r>
-            <a:r>
-              <a:rPr lang="de-AT" dirty="0" err="1"/>
-              <a:t>resulting</a:t>
-            </a:r>
-            <a:r>
-              <a:rPr lang="de-AT" dirty="0"/>
-              <a:t> </a:t>
-            </a:r>
-            <a:r>
-              <a:rPr lang="de-AT" dirty="0" err="1"/>
-              <a:t>confusion</a:t>
-            </a:r>
-            <a:r>
-              <a:rPr lang="de-AT" dirty="0"/>
-              <a:t> </a:t>
-            </a:r>
-            <a:r>
-              <a:rPr lang="de-AT" dirty="0" err="1"/>
-              <a:t>matrix</a:t>
-            </a:r>
-            <a:r>
-              <a:rPr lang="de-AT" dirty="0"/>
-              <a:t> and </a:t>
-            </a:r>
-            <a:r>
-              <a:rPr lang="de-AT" dirty="0" err="1"/>
-              <a:t>savings</a:t>
-            </a:r>
-            <a:r>
-              <a:rPr lang="de-AT" dirty="0"/>
-              <a:t> </a:t>
-            </a:r>
-            <a:r>
-              <a:rPr lang="de-AT" dirty="0" err="1"/>
-              <a:t>are</a:t>
-            </a:r>
-            <a:r>
-              <a:rPr lang="de-AT" dirty="0"/>
-              <a:t>:</a:t>
-            </a:r>
-          </a:p>
-          <a:p>
-            <a:pPr lvl="0"/>
-            <a:r>
-              <a:rPr lang="de-AT" dirty="0" err="1"/>
-              <a:t>We</a:t>
-            </a:r>
-            <a:r>
-              <a:rPr lang="de-AT" dirty="0"/>
-              <a:t> </a:t>
-            </a:r>
-            <a:r>
-              <a:rPr lang="de-AT" dirty="0" err="1"/>
-              <a:t>can</a:t>
-            </a:r>
-            <a:r>
-              <a:rPr lang="de-AT" dirty="0"/>
-              <a:t> </a:t>
-            </a:r>
-            <a:r>
-              <a:rPr lang="de-AT" dirty="0" err="1"/>
-              <a:t>see</a:t>
-            </a:r>
-            <a:r>
-              <a:rPr lang="de-AT" dirty="0"/>
-              <a:t> </a:t>
-            </a:r>
-            <a:r>
-              <a:rPr lang="de-AT" dirty="0" err="1"/>
-              <a:t>that</a:t>
-            </a:r>
-            <a:r>
-              <a:rPr lang="de-AT" dirty="0"/>
-              <a:t> </a:t>
-            </a:r>
-            <a:r>
-              <a:rPr lang="de-AT" dirty="0" err="1"/>
-              <a:t>the</a:t>
-            </a:r>
-            <a:r>
-              <a:rPr lang="de-AT" dirty="0"/>
-              <a:t> </a:t>
-            </a:r>
-            <a:r>
-              <a:rPr lang="de-AT" dirty="0" err="1"/>
-              <a:t>classifier</a:t>
-            </a:r>
-            <a:r>
-              <a:rPr lang="de-AT" dirty="0"/>
-              <a:t> was </a:t>
-            </a:r>
-            <a:r>
-              <a:rPr lang="de-AT" dirty="0" err="1"/>
-              <a:t>able</a:t>
-            </a:r>
-            <a:br>
-              <a:rPr lang="de-AT" dirty="0"/>
-            </a:br>
-            <a:r>
-              <a:rPr lang="de-AT" dirty="0" err="1"/>
-              <a:t>to</a:t>
-            </a:r>
-            <a:r>
-              <a:rPr lang="de-AT" dirty="0"/>
-              <a:t> </a:t>
-            </a:r>
-            <a:r>
-              <a:rPr lang="de-AT" dirty="0" err="1"/>
-              <a:t>detect</a:t>
-            </a:r>
-            <a:r>
-              <a:rPr lang="de-AT" dirty="0"/>
-              <a:t> </a:t>
-            </a:r>
-            <a:r>
-              <a:rPr lang="de-AT" dirty="0" err="1"/>
-              <a:t>some</a:t>
-            </a:r>
-            <a:r>
-              <a:rPr lang="de-AT" dirty="0"/>
-              <a:t> </a:t>
-            </a:r>
-            <a:r>
-              <a:rPr lang="de-AT" dirty="0" err="1"/>
-              <a:t>of</a:t>
-            </a:r>
-            <a:r>
-              <a:rPr lang="de-AT" dirty="0"/>
-              <a:t> </a:t>
-            </a:r>
-            <a:r>
-              <a:rPr lang="de-AT" dirty="0" err="1"/>
-              <a:t>the</a:t>
-            </a:r>
-            <a:r>
-              <a:rPr lang="de-AT" dirty="0"/>
-              <a:t> </a:t>
-            </a:r>
-            <a:r>
-              <a:rPr lang="de-AT" dirty="0" err="1"/>
-              <a:t>classes</a:t>
-            </a:r>
-            <a:r>
-              <a:rPr lang="de-AT" dirty="0"/>
-              <a:t> </a:t>
-            </a:r>
-            <a:r>
-              <a:rPr lang="de-AT" dirty="0" err="1"/>
-              <a:t>rather</a:t>
-            </a:r>
-            <a:br>
-              <a:rPr lang="de-AT" dirty="0"/>
-            </a:br>
-            <a:r>
-              <a:rPr lang="de-AT" dirty="0" err="1"/>
-              <a:t>good</a:t>
-            </a:r>
-            <a:r>
-              <a:rPr lang="de-AT" dirty="0"/>
-              <a:t>, but in </a:t>
-            </a:r>
-            <a:r>
-              <a:rPr lang="de-AT" dirty="0" err="1"/>
-              <a:t>comparison</a:t>
-            </a:r>
-            <a:r>
-              <a:rPr lang="de-AT" dirty="0"/>
-              <a:t> </a:t>
-            </a:r>
-            <a:r>
-              <a:rPr lang="de-AT" dirty="0" err="1"/>
-              <a:t>to</a:t>
-            </a:r>
-            <a:r>
-              <a:rPr lang="de-AT" dirty="0"/>
-              <a:t> </a:t>
-            </a:r>
-            <a:r>
-              <a:rPr lang="de-AT" dirty="0" err="1"/>
-              <a:t>some</a:t>
-            </a:r>
-            <a:r>
-              <a:rPr lang="de-AT" dirty="0"/>
-              <a:t> </a:t>
-            </a:r>
-            <a:r>
-              <a:rPr lang="de-AT" dirty="0" err="1"/>
-              <a:t>of</a:t>
-            </a:r>
-            <a:r>
-              <a:rPr lang="de-AT" dirty="0"/>
-              <a:t> </a:t>
-            </a:r>
-            <a:br>
-              <a:rPr lang="de-AT" dirty="0"/>
-            </a:br>
-            <a:r>
-              <a:rPr lang="de-AT" dirty="0" err="1"/>
-              <a:t>our</a:t>
-            </a:r>
-            <a:r>
-              <a:rPr lang="de-AT" dirty="0"/>
-              <a:t> </a:t>
-            </a:r>
-            <a:r>
-              <a:rPr lang="de-AT" dirty="0" err="1"/>
-              <a:t>other</a:t>
-            </a:r>
-            <a:r>
-              <a:rPr lang="de-AT" dirty="0"/>
-              <a:t> </a:t>
-            </a:r>
-            <a:r>
-              <a:rPr lang="de-AT" dirty="0" err="1"/>
-              <a:t>models</a:t>
-            </a:r>
-            <a:r>
-              <a:rPr lang="de-AT" dirty="0"/>
-              <a:t> </a:t>
-            </a:r>
-            <a:r>
-              <a:rPr lang="de-AT" dirty="0" err="1"/>
-              <a:t>the</a:t>
-            </a:r>
-            <a:r>
-              <a:rPr lang="de-AT" dirty="0"/>
-              <a:t> </a:t>
-            </a:r>
-            <a:r>
-              <a:rPr lang="de-AT" dirty="0" err="1"/>
-              <a:t>performance</a:t>
-            </a:r>
-            <a:r>
-              <a:rPr lang="de-AT" dirty="0"/>
-              <a:t> was</a:t>
-            </a:r>
-            <a:br>
-              <a:rPr lang="de-AT" dirty="0"/>
-            </a:br>
-            <a:r>
-              <a:rPr lang="de-AT" dirty="0" err="1"/>
-              <a:t>worse</a:t>
-            </a:r>
-            <a:endParaRPr lang="de-AT" dirty="0"/>
+              <a:rPr lang="de-AT"/>
+              <a:t>With 300 estimators, a learning rate of 0.1 and a max_depth of 3 the resulting confusion matrix and savings are: </a:t>
+            </a:r>
           </a:p>
         </p:txBody>
       </p:sp>
       <p:pic>
         <p:nvPicPr>
-          <p:cNvPr id="6" name="Grafik 5">
-            <a:extLst>
-              <a:ext uri="{FF2B5EF4-FFF2-40B4-BE49-F238E27FC236}">
-                <a16:creationId xmlns:a16="http://schemas.microsoft.com/office/drawing/2014/main" id="{542DFE12-B700-D281-E6DC-A2CB752DC96A}"/>
+          <p:cNvPr id="4" name="Grafik 4">
+            <a:extLst>
+              <a:ext uri="{FF2B5EF4-FFF2-40B4-BE49-F238E27FC236}">
+                <a16:creationId xmlns:a16="http://schemas.microsoft.com/office/drawing/2014/main" id="{A8D6573D-30E7-A816-9146-4A9142980FB5}"/>
               </a:ext>
             </a:extLst>
           </p:cNvPr>
@@ -4381,12 +4108,16 @@
         </p:blipFill>
         <p:spPr>
           <a:xfrm>
-            <a:off x="6917321" y="2829168"/>
-            <a:ext cx="4312443" cy="3547081"/>
+            <a:off x="3832204" y="2802407"/>
+            <a:ext cx="4104083" cy="3374556"/>
           </a:xfrm>
           <a:prstGeom prst="rect">
             <a:avLst/>
           </a:prstGeom>
+          <a:noFill/>
+          <a:ln cap="flat">
+            <a:noFill/>
+          </a:ln>
         </p:spPr>
       </p:pic>
     </p:spTree>
@@ -6364,10 +6095,10 @@
       </p:sp>
       <p:pic>
         <p:nvPicPr>
-          <p:cNvPr id="4" name="Picture 5">
-            <a:extLst>
-              <a:ext uri="{FF2B5EF4-FFF2-40B4-BE49-F238E27FC236}">
-                <a16:creationId xmlns:a16="http://schemas.microsoft.com/office/drawing/2014/main" id="{29C3685B-D77F-F504-BA45-1268D4BBC96C}"/>
+          <p:cNvPr id="6" name="Picture 5">
+            <a:extLst>
+              <a:ext uri="{FF2B5EF4-FFF2-40B4-BE49-F238E27FC236}">
+                <a16:creationId xmlns:a16="http://schemas.microsoft.com/office/drawing/2014/main" id="{ACDDE090-FDF6-6BEE-72C2-339E2A9A2A37}"/>
               </a:ext>
             </a:extLst>
           </p:cNvPr>
@@ -6384,16 +6115,12 @@
         </p:blipFill>
         <p:spPr>
           <a:xfrm>
-            <a:off x="1844408" y="1329062"/>
-            <a:ext cx="8503188" cy="4339797"/>
+            <a:off x="1810476" y="1355494"/>
+            <a:ext cx="8571047" cy="4313374"/>
           </a:xfrm>
           <a:prstGeom prst="rect">
             <a:avLst/>
           </a:prstGeom>
-          <a:noFill/>
-          <a:ln cap="flat">
-            <a:noFill/>
-          </a:ln>
         </p:spPr>
       </p:pic>
     </p:spTree>
@@ -7469,7 +7196,7 @@
 
 <file path=ppt/slides/slide9.xml><?xml version="1.0" encoding="utf-8"?>
 <p:sld xmlns:a="http://schemas.openxmlformats.org/drawingml/2006/main" xmlns:r="http://schemas.openxmlformats.org/officeDocument/2006/relationships" xmlns:p="http://schemas.openxmlformats.org/presentationml/2006/main">
-  <p:cSld>
+  <p:cSld name="Slide14">
     <p:spTree>
       <p:nvGrpSpPr>
         <p:cNvPr id="1" name=""/>
@@ -7536,533 +7263,36 @@
           <a:p>
             <a:pPr lvl="0"/>
             <a:r>
-              <a:rPr lang="de-AT" dirty="0" err="1"/>
-              <a:t>To</a:t>
-            </a:r>
-            <a:r>
-              <a:rPr lang="de-AT" dirty="0"/>
-              <a:t> </a:t>
-            </a:r>
-            <a:r>
-              <a:rPr lang="de-AT" dirty="0" err="1"/>
-              <a:t>account</a:t>
-            </a:r>
-            <a:r>
-              <a:rPr lang="de-AT" dirty="0"/>
-              <a:t> </a:t>
-            </a:r>
-            <a:r>
-              <a:rPr lang="de-AT" dirty="0" err="1"/>
-              <a:t>for</a:t>
-            </a:r>
-            <a:r>
-              <a:rPr lang="de-AT" dirty="0"/>
-              <a:t> </a:t>
-            </a:r>
-            <a:r>
-              <a:rPr lang="de-AT" dirty="0" err="1"/>
-              <a:t>the</a:t>
-            </a:r>
-            <a:r>
-              <a:rPr lang="de-AT" dirty="0"/>
-              <a:t> </a:t>
-            </a:r>
-            <a:r>
-              <a:rPr lang="de-AT" dirty="0" err="1"/>
-              <a:t>inbalance</a:t>
-            </a:r>
-            <a:r>
-              <a:rPr lang="de-AT" dirty="0"/>
-              <a:t> </a:t>
-            </a:r>
-            <a:r>
-              <a:rPr lang="de-AT" dirty="0" err="1"/>
-              <a:t>of</a:t>
-            </a:r>
-            <a:r>
-              <a:rPr lang="de-AT" dirty="0"/>
-              <a:t> </a:t>
-            </a:r>
-            <a:r>
-              <a:rPr lang="de-AT" dirty="0" err="1"/>
-              <a:t>classes</a:t>
-            </a:r>
-            <a:r>
-              <a:rPr lang="de-AT" dirty="0"/>
-              <a:t>, sample </a:t>
-            </a:r>
-            <a:r>
-              <a:rPr lang="de-AT" dirty="0" err="1"/>
-              <a:t>weights</a:t>
-            </a:r>
-            <a:r>
-              <a:rPr lang="de-AT" dirty="0"/>
-              <a:t> </a:t>
-            </a:r>
-            <a:r>
-              <a:rPr lang="de-AT" dirty="0" err="1"/>
-              <a:t>were</a:t>
-            </a:r>
-            <a:r>
-              <a:rPr lang="de-AT" dirty="0"/>
-              <a:t> </a:t>
-            </a:r>
-            <a:r>
-              <a:rPr lang="de-AT" dirty="0" err="1"/>
-              <a:t>calculated</a:t>
-            </a:r>
-            <a:r>
-              <a:rPr lang="de-AT" dirty="0"/>
-              <a:t> </a:t>
-            </a:r>
-            <a:r>
-              <a:rPr lang="de-AT" dirty="0" err="1"/>
-              <a:t>to</a:t>
-            </a:r>
-            <a:r>
-              <a:rPr lang="de-AT" dirty="0"/>
-              <a:t> </a:t>
-            </a:r>
-            <a:r>
-              <a:rPr lang="de-AT" dirty="0" err="1"/>
-              <a:t>give</a:t>
-            </a:r>
-            <a:r>
-              <a:rPr lang="de-AT" dirty="0"/>
-              <a:t> a </a:t>
-            </a:r>
-            <a:r>
-              <a:rPr lang="de-AT" dirty="0" err="1"/>
-              <a:t>higher</a:t>
-            </a:r>
-            <a:r>
-              <a:rPr lang="de-AT" dirty="0"/>
-              <a:t> </a:t>
-            </a:r>
-            <a:r>
-              <a:rPr lang="de-AT" dirty="0" err="1"/>
-              <a:t>importance</a:t>
-            </a:r>
-            <a:r>
-              <a:rPr lang="de-AT" dirty="0"/>
-              <a:t> </a:t>
-            </a:r>
-            <a:r>
-              <a:rPr lang="de-AT" dirty="0" err="1"/>
-              <a:t>to</a:t>
-            </a:r>
-            <a:r>
-              <a:rPr lang="de-AT" dirty="0"/>
-              <a:t> </a:t>
-            </a:r>
-            <a:r>
-              <a:rPr lang="de-AT" dirty="0" err="1"/>
-              <a:t>samples</a:t>
-            </a:r>
-            <a:r>
-              <a:rPr lang="de-AT" dirty="0"/>
-              <a:t> </a:t>
-            </a:r>
-            <a:r>
-              <a:rPr lang="de-AT" dirty="0" err="1"/>
-              <a:t>of</a:t>
-            </a:r>
-            <a:r>
-              <a:rPr lang="de-AT" dirty="0"/>
-              <a:t> </a:t>
-            </a:r>
-            <a:r>
-              <a:rPr lang="de-AT" dirty="0" err="1"/>
-              <a:t>classes</a:t>
-            </a:r>
-            <a:r>
-              <a:rPr lang="de-AT" dirty="0"/>
-              <a:t> </a:t>
-            </a:r>
-            <a:r>
-              <a:rPr lang="de-AT" dirty="0" err="1"/>
-              <a:t>that</a:t>
-            </a:r>
-            <a:r>
-              <a:rPr lang="de-AT" dirty="0"/>
-              <a:t> </a:t>
-            </a:r>
-            <a:r>
-              <a:rPr lang="de-AT" dirty="0" err="1"/>
-              <a:t>don‘t</a:t>
-            </a:r>
-            <a:r>
-              <a:rPr lang="de-AT" dirty="0"/>
-              <a:t> </a:t>
-            </a:r>
-            <a:r>
-              <a:rPr lang="de-AT" dirty="0" err="1"/>
-              <a:t>occur</a:t>
-            </a:r>
-            <a:r>
-              <a:rPr lang="de-AT" dirty="0"/>
-              <a:t> </a:t>
-            </a:r>
-            <a:r>
-              <a:rPr lang="de-AT" dirty="0" err="1"/>
-              <a:t>that</a:t>
-            </a:r>
-            <a:r>
-              <a:rPr lang="de-AT" dirty="0"/>
-              <a:t> </a:t>
-            </a:r>
-            <a:r>
-              <a:rPr lang="de-AT" dirty="0" err="1"/>
-              <a:t>often</a:t>
-            </a:r>
-            <a:endParaRPr lang="de-AT" dirty="0"/>
-          </a:p>
-          <a:p>
-            <a:pPr lvl="0"/>
-            <a:r>
-              <a:rPr lang="de-AT" dirty="0"/>
-              <a:t>These </a:t>
-            </a:r>
-            <a:r>
-              <a:rPr lang="de-AT" dirty="0" err="1"/>
-              <a:t>class</a:t>
-            </a:r>
-            <a:r>
-              <a:rPr lang="de-AT" dirty="0"/>
-              <a:t> </a:t>
-            </a:r>
-            <a:r>
-              <a:rPr lang="de-AT" dirty="0" err="1"/>
-              <a:t>weights</a:t>
-            </a:r>
-            <a:r>
-              <a:rPr lang="de-AT" dirty="0"/>
-              <a:t> </a:t>
-            </a:r>
-            <a:r>
-              <a:rPr lang="de-AT" dirty="0" err="1"/>
-              <a:t>were</a:t>
-            </a:r>
-            <a:r>
-              <a:rPr lang="de-AT" dirty="0"/>
-              <a:t> </a:t>
-            </a:r>
-            <a:r>
-              <a:rPr lang="de-AT" dirty="0" err="1"/>
-              <a:t>calculated</a:t>
-            </a:r>
-            <a:r>
-              <a:rPr lang="de-AT" dirty="0"/>
-              <a:t> </a:t>
-            </a:r>
-            <a:r>
-              <a:rPr lang="de-AT" dirty="0" err="1"/>
-              <a:t>by</a:t>
-            </a:r>
-            <a:r>
-              <a:rPr lang="de-AT" dirty="0"/>
-              <a:t> </a:t>
-            </a:r>
-            <a:r>
-              <a:rPr lang="de-AT" dirty="0" err="1"/>
-              <a:t>taking</a:t>
-            </a:r>
-            <a:r>
-              <a:rPr lang="de-AT" dirty="0"/>
-              <a:t> </a:t>
-            </a:r>
-            <a:r>
-              <a:rPr lang="de-AT" dirty="0" err="1"/>
-              <a:t>the</a:t>
-            </a:r>
-            <a:r>
-              <a:rPr lang="de-AT" dirty="0"/>
-              <a:t> </a:t>
-            </a:r>
-            <a:r>
-              <a:rPr lang="de-AT" dirty="0" err="1"/>
-              <a:t>reciprocal</a:t>
-            </a:r>
-            <a:r>
-              <a:rPr lang="de-AT" dirty="0"/>
-              <a:t> </a:t>
-            </a:r>
-            <a:r>
-              <a:rPr lang="de-AT" dirty="0" err="1"/>
-              <a:t>value</a:t>
-            </a:r>
-            <a:r>
-              <a:rPr lang="de-AT" dirty="0"/>
-              <a:t> </a:t>
-            </a:r>
-            <a:r>
-              <a:rPr lang="de-AT" dirty="0" err="1"/>
-              <a:t>of</a:t>
-            </a:r>
-            <a:r>
-              <a:rPr lang="de-AT" dirty="0"/>
-              <a:t> </a:t>
-            </a:r>
-            <a:r>
-              <a:rPr lang="de-AT" dirty="0" err="1"/>
-              <a:t>the</a:t>
-            </a:r>
-            <a:r>
-              <a:rPr lang="de-AT" dirty="0"/>
-              <a:t> </a:t>
-            </a:r>
-            <a:r>
-              <a:rPr lang="de-AT" dirty="0" err="1"/>
-              <a:t>number</a:t>
-            </a:r>
-            <a:r>
-              <a:rPr lang="de-AT" dirty="0"/>
-              <a:t> </a:t>
-            </a:r>
-            <a:r>
-              <a:rPr lang="de-AT" dirty="0" err="1"/>
-              <a:t>of</a:t>
-            </a:r>
-            <a:r>
-              <a:rPr lang="de-AT" dirty="0"/>
-              <a:t> </a:t>
-            </a:r>
-            <a:r>
-              <a:rPr lang="de-AT" dirty="0" err="1"/>
-              <a:t>times</a:t>
-            </a:r>
-            <a:r>
-              <a:rPr lang="de-AT" dirty="0"/>
-              <a:t> </a:t>
-            </a:r>
-            <a:r>
-              <a:rPr lang="de-AT" dirty="0" err="1"/>
-              <a:t>each</a:t>
-            </a:r>
-            <a:r>
-              <a:rPr lang="de-AT" dirty="0"/>
-              <a:t> </a:t>
-            </a:r>
-            <a:r>
-              <a:rPr lang="de-AT" dirty="0" err="1"/>
-              <a:t>class</a:t>
-            </a:r>
-            <a:r>
-              <a:rPr lang="de-AT" dirty="0"/>
-              <a:t> </a:t>
-            </a:r>
-            <a:r>
-              <a:rPr lang="de-AT" dirty="0" err="1"/>
-              <a:t>occured</a:t>
-            </a:r>
-            <a:r>
-              <a:rPr lang="de-AT" dirty="0"/>
-              <a:t> in </a:t>
-            </a:r>
-            <a:r>
-              <a:rPr lang="de-AT" dirty="0" err="1"/>
-              <a:t>the</a:t>
-            </a:r>
-            <a:r>
-              <a:rPr lang="de-AT" dirty="0"/>
-              <a:t> </a:t>
-            </a:r>
-            <a:r>
-              <a:rPr lang="de-AT" dirty="0" err="1"/>
-              <a:t>data</a:t>
-            </a:r>
-            <a:r>
-              <a:rPr lang="de-AT" dirty="0"/>
-              <a:t> </a:t>
-            </a:r>
-            <a:r>
-              <a:rPr lang="de-AT" dirty="0" err="1"/>
-              <a:t>set</a:t>
-            </a:r>
-            <a:endParaRPr lang="de-AT" dirty="0"/>
-          </a:p>
-          <a:p>
-            <a:pPr lvl="0"/>
-            <a:r>
-              <a:rPr lang="de-AT" dirty="0"/>
-              <a:t>After </a:t>
-            </a:r>
-            <a:r>
-              <a:rPr lang="de-AT" dirty="0" err="1"/>
-              <a:t>deviding</a:t>
-            </a:r>
-            <a:r>
-              <a:rPr lang="de-AT" dirty="0"/>
-              <a:t> </a:t>
-            </a:r>
-            <a:r>
-              <a:rPr lang="de-AT" dirty="0" err="1"/>
-              <a:t>the</a:t>
-            </a:r>
-            <a:r>
-              <a:rPr lang="de-AT" dirty="0"/>
-              <a:t> </a:t>
-            </a:r>
-            <a:r>
-              <a:rPr lang="de-AT" dirty="0" err="1"/>
-              <a:t>weights</a:t>
-            </a:r>
-            <a:r>
-              <a:rPr lang="de-AT" dirty="0"/>
-              <a:t> </a:t>
-            </a:r>
-            <a:r>
-              <a:rPr lang="de-AT" dirty="0" err="1"/>
-              <a:t>by</a:t>
-            </a:r>
-            <a:r>
-              <a:rPr lang="de-AT" dirty="0"/>
-              <a:t> 2 and </a:t>
+              <a:rPr lang="de-AT"/>
+              <a:t>To account for the inbalance of classes, sample weights were calculated to give a higher importance to samples of classes that don‘t occur that often</a:t>
+            </a:r>
+          </a:p>
+          <a:p>
+            <a:pPr lvl="0"/>
+            <a:r>
+              <a:rPr lang="de-AT"/>
+              <a:t>These class weights were calculated by taking the reciprocal value of the number of times each class occured in the data set</a:t>
+            </a:r>
+          </a:p>
+          <a:p>
+            <a:pPr lvl="0"/>
+            <a:r>
+              <a:rPr lang="de-AT"/>
+              <a:t>After deviding the weights by 2 and </a:t>
             </a:r>
             <a:br>
-              <a:rPr lang="de-AT" dirty="0"/>
+              <a:rPr lang="de-AT"/>
             </a:br>
             <a:r>
-              <a:rPr lang="de-AT" dirty="0" err="1"/>
-              <a:t>setting</a:t>
-            </a:r>
-            <a:r>
-              <a:rPr lang="de-AT" dirty="0"/>
-              <a:t> </a:t>
-            </a:r>
-            <a:r>
-              <a:rPr lang="de-AT" dirty="0" err="1"/>
-              <a:t>the</a:t>
-            </a:r>
-            <a:r>
-              <a:rPr lang="de-AT" dirty="0"/>
-              <a:t> </a:t>
-            </a:r>
-            <a:r>
-              <a:rPr lang="de-AT" dirty="0" err="1"/>
-              <a:t>weight</a:t>
-            </a:r>
-            <a:r>
-              <a:rPr lang="de-AT" dirty="0"/>
-              <a:t> </a:t>
-            </a:r>
-            <a:r>
-              <a:rPr lang="de-AT" dirty="0" err="1"/>
-              <a:t>for</a:t>
-            </a:r>
-            <a:r>
-              <a:rPr lang="de-AT" dirty="0"/>
-              <a:t> </a:t>
-            </a:r>
-            <a:r>
-              <a:rPr lang="de-AT" dirty="0" err="1"/>
-              <a:t>class</a:t>
-            </a:r>
-            <a:r>
-              <a:rPr lang="de-AT" dirty="0"/>
-              <a:t> 0 </a:t>
-            </a:r>
-            <a:r>
-              <a:rPr lang="de-AT" dirty="0" err="1"/>
-              <a:t>to</a:t>
-            </a:r>
-            <a:r>
-              <a:rPr lang="de-AT" dirty="0"/>
-              <a:t> 2 (</a:t>
-            </a:r>
-            <a:r>
-              <a:rPr lang="de-AT" dirty="0" err="1"/>
-              <a:t>as</a:t>
-            </a:r>
-            <a:r>
-              <a:rPr lang="de-AT" dirty="0"/>
-              <a:t> </a:t>
+              <a:rPr lang="de-AT"/>
+              <a:t>setting the weight for class 2 to 2 the </a:t>
             </a:r>
             <a:br>
-              <a:rPr lang="de-AT" dirty="0"/>
+              <a:rPr lang="de-AT"/>
             </a:br>
             <a:r>
-              <a:rPr lang="de-AT" dirty="0" err="1"/>
-              <a:t>this</a:t>
-            </a:r>
-            <a:r>
-              <a:rPr lang="de-AT" dirty="0"/>
-              <a:t> </a:t>
-            </a:r>
-            <a:r>
-              <a:rPr lang="de-AT" dirty="0" err="1"/>
-              <a:t>seemed</a:t>
-            </a:r>
-            <a:r>
-              <a:rPr lang="de-AT" dirty="0"/>
-              <a:t> </a:t>
-            </a:r>
-            <a:r>
-              <a:rPr lang="de-AT" dirty="0" err="1"/>
-              <a:t>to</a:t>
-            </a:r>
-            <a:r>
-              <a:rPr lang="de-AT" dirty="0"/>
-              <a:t> </a:t>
-            </a:r>
-            <a:r>
-              <a:rPr lang="de-AT" dirty="0" err="1"/>
-              <a:t>give</a:t>
-            </a:r>
-            <a:r>
-              <a:rPr lang="de-AT" dirty="0"/>
-              <a:t> </a:t>
-            </a:r>
-            <a:r>
-              <a:rPr lang="de-AT" dirty="0" err="1"/>
-              <a:t>better</a:t>
-            </a:r>
-            <a:r>
-              <a:rPr lang="de-AT" dirty="0"/>
-              <a:t> </a:t>
-            </a:r>
-            <a:r>
-              <a:rPr lang="de-AT" dirty="0" err="1"/>
-              <a:t>results</a:t>
-            </a:r>
-            <a:r>
-              <a:rPr lang="de-AT" dirty="0"/>
-              <a:t>) </a:t>
-            </a:r>
-            <a:r>
-              <a:rPr lang="de-AT" dirty="0" err="1"/>
-              <a:t>the</a:t>
-            </a:r>
-            <a:r>
-              <a:rPr lang="de-AT" dirty="0"/>
-              <a:t> </a:t>
-            </a:r>
-            <a:br>
-              <a:rPr lang="de-AT" dirty="0"/>
-            </a:br>
-            <a:r>
-              <a:rPr lang="de-AT" dirty="0" err="1"/>
-              <a:t>resulting</a:t>
-            </a:r>
-            <a:r>
-              <a:rPr lang="de-AT" dirty="0"/>
-              <a:t> </a:t>
-            </a:r>
-            <a:r>
-              <a:rPr lang="de-AT" dirty="0" err="1"/>
-              <a:t>weights</a:t>
-            </a:r>
-            <a:r>
-              <a:rPr lang="de-AT" dirty="0"/>
-              <a:t> </a:t>
-            </a:r>
-            <a:r>
-              <a:rPr lang="de-AT" dirty="0" err="1"/>
-              <a:t>are</a:t>
-            </a:r>
-            <a:r>
-              <a:rPr lang="de-AT" dirty="0"/>
-              <a:t>:</a:t>
+              <a:rPr lang="de-AT"/>
+              <a:t>resulting weights are:</a:t>
             </a:r>
           </a:p>
         </p:txBody>

--- a/Challenge Presentation.pptx
+++ b/Challenge Presentation.pptx
@@ -137,70 +137,6 @@
 
 <file path=ppt/changesInfos/changesInfo1.xml><?xml version="1.0" encoding="utf-8"?>
 <pc:chgInfo xmlns:a="http://schemas.openxmlformats.org/drawingml/2006/main" xmlns:r="http://schemas.openxmlformats.org/officeDocument/2006/relationships" xmlns:ac="http://schemas.microsoft.com/office/drawing/2013/main/command" xmlns:pc="http://schemas.microsoft.com/office/powerpoint/2013/main/command">
-  <pc:docChgLst>
-    <pc:chgData name="Sandro Assek" userId="c00f4fa3-2fb0-4ff2-817b-9b12cde38168" providerId="ADAL" clId="{879E222E-A6AC-41DC-AC0B-D5A2E8530FCD}"/>
-    <pc:docChg chg="custSel modSld">
-      <pc:chgData name="Sandro Assek" userId="c00f4fa3-2fb0-4ff2-817b-9b12cde38168" providerId="ADAL" clId="{879E222E-A6AC-41DC-AC0B-D5A2E8530FCD}" dt="2023-06-22T10:08:47.498" v="845" actId="20577"/>
-      <pc:docMkLst>
-        <pc:docMk/>
-      </pc:docMkLst>
-      <pc:sldChg chg="addSp delSp modSp">
-        <pc:chgData name="Sandro Assek" userId="c00f4fa3-2fb0-4ff2-817b-9b12cde38168" providerId="ADAL" clId="{879E222E-A6AC-41DC-AC0B-D5A2E8530FCD}" dt="2023-06-22T10:08:47.498" v="845" actId="20577"/>
-        <pc:sldMkLst>
-          <pc:docMk/>
-          <pc:sldMk cId="0" sldId="261"/>
-        </pc:sldMkLst>
-        <pc:spChg chg="mod">
-          <ac:chgData name="Sandro Assek" userId="c00f4fa3-2fb0-4ff2-817b-9b12cde38168" providerId="ADAL" clId="{879E222E-A6AC-41DC-AC0B-D5A2E8530FCD}" dt="2023-06-22T10:08:47.498" v="845" actId="20577"/>
-          <ac:spMkLst>
-            <pc:docMk/>
-            <pc:sldMk cId="0" sldId="261"/>
-            <ac:spMk id="3" creationId="{56EB18EA-23DD-83D7-C46F-87CF567AA9C5}"/>
-          </ac:spMkLst>
-        </pc:spChg>
-        <pc:spChg chg="add del mod">
-          <ac:chgData name="Sandro Assek" userId="c00f4fa3-2fb0-4ff2-817b-9b12cde38168" providerId="ADAL" clId="{879E222E-A6AC-41DC-AC0B-D5A2E8530FCD}" dt="2023-06-22T09:57:55.096" v="499"/>
-          <ac:spMkLst>
-            <pc:docMk/>
-            <pc:sldMk cId="0" sldId="261"/>
-            <ac:spMk id="6" creationId="{0ABC2269-5474-4543-9117-BE011B8DE079}"/>
-          </ac:spMkLst>
-        </pc:spChg>
-        <pc:spChg chg="add del mod">
-          <ac:chgData name="Sandro Assek" userId="c00f4fa3-2fb0-4ff2-817b-9b12cde38168" providerId="ADAL" clId="{879E222E-A6AC-41DC-AC0B-D5A2E8530FCD}" dt="2023-06-22T09:57:30.581" v="491"/>
-          <ac:spMkLst>
-            <pc:docMk/>
-            <pc:sldMk cId="0" sldId="261"/>
-            <ac:spMk id="7" creationId="{61DFA534-0997-45A5-91E8-E7DA0D8FC34F}"/>
-          </ac:spMkLst>
-        </pc:spChg>
-        <pc:spChg chg="add del mod">
-          <ac:chgData name="Sandro Assek" userId="c00f4fa3-2fb0-4ff2-817b-9b12cde38168" providerId="ADAL" clId="{879E222E-A6AC-41DC-AC0B-D5A2E8530FCD}" dt="2023-06-22T09:58:06.318" v="507"/>
-          <ac:spMkLst>
-            <pc:docMk/>
-            <pc:sldMk cId="0" sldId="261"/>
-            <ac:spMk id="8" creationId="{8E394262-71D2-4E21-A7B6-F601C885BDDF}"/>
-          </ac:spMkLst>
-        </pc:spChg>
-        <pc:picChg chg="add mod">
-          <ac:chgData name="Sandro Assek" userId="c00f4fa3-2fb0-4ff2-817b-9b12cde38168" providerId="ADAL" clId="{879E222E-A6AC-41DC-AC0B-D5A2E8530FCD}" dt="2023-06-22T10:00:44.345" v="540" actId="1076"/>
-          <ac:picMkLst>
-            <pc:docMk/>
-            <pc:sldMk cId="0" sldId="261"/>
-            <ac:picMk id="4" creationId="{7939D6C8-C7D4-45B8-BAA1-52C915844E54}"/>
-          </ac:picMkLst>
-        </pc:picChg>
-        <pc:picChg chg="add mod">
-          <ac:chgData name="Sandro Assek" userId="c00f4fa3-2fb0-4ff2-817b-9b12cde38168" providerId="ADAL" clId="{879E222E-A6AC-41DC-AC0B-D5A2E8530FCD}" dt="2023-06-22T10:00:42.339" v="539" actId="1076"/>
-          <ac:picMkLst>
-            <pc:docMk/>
-            <pc:sldMk cId="0" sldId="261"/>
-            <ac:picMk id="5" creationId="{58C3CA90-12AF-4E69-9A3A-3BE589835619}"/>
-          </ac:picMkLst>
-        </pc:picChg>
-      </pc:sldChg>
-    </pc:docChg>
-  </pc:docChgLst>
   <pc:docChgLst>
     <pc:chgData name="Wittner Christoph" userId="fc7457a2-a2ef-4f24-b8b5-f1361b29663d" providerId="ADAL" clId="{80847FDB-E8F1-463B-ADD5-88886BABD9D6}"/>
     <pc:docChg chg="undo custSel addSld delSld modSld sldOrd">
@@ -513,6 +449,70 @@
       </pc:sldChg>
     </pc:docChg>
   </pc:docChgLst>
+  <pc:docChgLst>
+    <pc:chgData name="Sandro Assek" userId="c00f4fa3-2fb0-4ff2-817b-9b12cde38168" providerId="ADAL" clId="{879E222E-A6AC-41DC-AC0B-D5A2E8530FCD}"/>
+    <pc:docChg chg="custSel modSld">
+      <pc:chgData name="Sandro Assek" userId="c00f4fa3-2fb0-4ff2-817b-9b12cde38168" providerId="ADAL" clId="{879E222E-A6AC-41DC-AC0B-D5A2E8530FCD}" dt="2023-06-22T10:08:47.498" v="845" actId="20577"/>
+      <pc:docMkLst>
+        <pc:docMk/>
+      </pc:docMkLst>
+      <pc:sldChg chg="addSp delSp modSp">
+        <pc:chgData name="Sandro Assek" userId="c00f4fa3-2fb0-4ff2-817b-9b12cde38168" providerId="ADAL" clId="{879E222E-A6AC-41DC-AC0B-D5A2E8530FCD}" dt="2023-06-22T10:08:47.498" v="845" actId="20577"/>
+        <pc:sldMkLst>
+          <pc:docMk/>
+          <pc:sldMk cId="0" sldId="261"/>
+        </pc:sldMkLst>
+        <pc:spChg chg="mod">
+          <ac:chgData name="Sandro Assek" userId="c00f4fa3-2fb0-4ff2-817b-9b12cde38168" providerId="ADAL" clId="{879E222E-A6AC-41DC-AC0B-D5A2E8530FCD}" dt="2023-06-22T10:08:47.498" v="845" actId="20577"/>
+          <ac:spMkLst>
+            <pc:docMk/>
+            <pc:sldMk cId="0" sldId="261"/>
+            <ac:spMk id="3" creationId="{56EB18EA-23DD-83D7-C46F-87CF567AA9C5}"/>
+          </ac:spMkLst>
+        </pc:spChg>
+        <pc:spChg chg="add del mod">
+          <ac:chgData name="Sandro Assek" userId="c00f4fa3-2fb0-4ff2-817b-9b12cde38168" providerId="ADAL" clId="{879E222E-A6AC-41DC-AC0B-D5A2E8530FCD}" dt="2023-06-22T09:57:55.096" v="499"/>
+          <ac:spMkLst>
+            <pc:docMk/>
+            <pc:sldMk cId="0" sldId="261"/>
+            <ac:spMk id="6" creationId="{0ABC2269-5474-4543-9117-BE011B8DE079}"/>
+          </ac:spMkLst>
+        </pc:spChg>
+        <pc:spChg chg="add del mod">
+          <ac:chgData name="Sandro Assek" userId="c00f4fa3-2fb0-4ff2-817b-9b12cde38168" providerId="ADAL" clId="{879E222E-A6AC-41DC-AC0B-D5A2E8530FCD}" dt="2023-06-22T09:57:30.581" v="491"/>
+          <ac:spMkLst>
+            <pc:docMk/>
+            <pc:sldMk cId="0" sldId="261"/>
+            <ac:spMk id="7" creationId="{61DFA534-0997-45A5-91E8-E7DA0D8FC34F}"/>
+          </ac:spMkLst>
+        </pc:spChg>
+        <pc:spChg chg="add del mod">
+          <ac:chgData name="Sandro Assek" userId="c00f4fa3-2fb0-4ff2-817b-9b12cde38168" providerId="ADAL" clId="{879E222E-A6AC-41DC-AC0B-D5A2E8530FCD}" dt="2023-06-22T09:58:06.318" v="507"/>
+          <ac:spMkLst>
+            <pc:docMk/>
+            <pc:sldMk cId="0" sldId="261"/>
+            <ac:spMk id="8" creationId="{8E394262-71D2-4E21-A7B6-F601C885BDDF}"/>
+          </ac:spMkLst>
+        </pc:spChg>
+        <pc:picChg chg="add mod">
+          <ac:chgData name="Sandro Assek" userId="c00f4fa3-2fb0-4ff2-817b-9b12cde38168" providerId="ADAL" clId="{879E222E-A6AC-41DC-AC0B-D5A2E8530FCD}" dt="2023-06-22T10:00:44.345" v="540" actId="1076"/>
+          <ac:picMkLst>
+            <pc:docMk/>
+            <pc:sldMk cId="0" sldId="261"/>
+            <ac:picMk id="4" creationId="{7939D6C8-C7D4-45B8-BAA1-52C915844E54}"/>
+          </ac:picMkLst>
+        </pc:picChg>
+        <pc:picChg chg="add mod">
+          <ac:chgData name="Sandro Assek" userId="c00f4fa3-2fb0-4ff2-817b-9b12cde38168" providerId="ADAL" clId="{879E222E-A6AC-41DC-AC0B-D5A2E8530FCD}" dt="2023-06-22T10:00:42.339" v="539" actId="1076"/>
+          <ac:picMkLst>
+            <pc:docMk/>
+            <pc:sldMk cId="0" sldId="261"/>
+            <ac:picMk id="5" creationId="{58C3CA90-12AF-4E69-9A3A-3BE589835619}"/>
+          </ac:picMkLst>
+        </pc:picChg>
+      </pc:sldChg>
+    </pc:docChg>
+  </pc:docChgLst>
 </pc:chgInfo>
 </file>
 
@@ -704,7 +704,7 @@
           <a:p>
             <a:pPr lvl="0"/>
             <a:fld id="{42BA9B41-DA04-4F58-AA74-4B9472D731E1}" type="slidenum">
-              <a:t>‹#›</a:t>
+              <a:t>‹Nr.›</a:t>
             </a:fld>
             <a:endParaRPr lang="de-DE"/>
           </a:p>
@@ -941,7 +941,7 @@
           <a:p>
             <a:pPr lvl="0"/>
             <a:fld id="{0239BA78-B16C-4AAC-A728-AEFC4703D0AD}" type="slidenum">
-              <a:t>‹#›</a:t>
+              <a:t>‹Nr.›</a:t>
             </a:fld>
             <a:endParaRPr lang="de-DE"/>
           </a:p>
@@ -1187,7 +1187,7 @@
           <a:p>
             <a:pPr lvl="0"/>
             <a:fld id="{0CD7FD27-A706-4453-B1B4-C9E5F3579808}" type="slidenum">
-              <a:t>‹#›</a:t>
+              <a:t>‹Nr.›</a:t>
             </a:fld>
             <a:endParaRPr lang="de-DE"/>
           </a:p>
@@ -1423,7 +1423,7 @@
           <a:p>
             <a:pPr lvl="0"/>
             <a:fld id="{1368AC57-4802-4BF3-803F-BD5FC90033A4}" type="slidenum">
-              <a:t>‹#›</a:t>
+              <a:t>‹Nr.›</a:t>
             </a:fld>
             <a:endParaRPr lang="de-DE"/>
           </a:p>
@@ -1634,7 +1634,7 @@
           <a:p>
             <a:pPr lvl="0"/>
             <a:fld id="{51F48843-55FE-4C4C-88D4-6BB9C8C8739F}" type="slidenum">
-              <a:t>‹#›</a:t>
+              <a:t>‹Nr.›</a:t>
             </a:fld>
             <a:endParaRPr lang="de-DE"/>
           </a:p>
@@ -1954,7 +1954,7 @@
           <a:p>
             <a:pPr lvl="0"/>
             <a:fld id="{B3B730D7-8C0C-41EF-A169-230F34CE8E1B}" type="slidenum">
-              <a:t>‹#›</a:t>
+              <a:t>‹Nr.›</a:t>
             </a:fld>
             <a:endParaRPr lang="de-DE"/>
           </a:p>
@@ -2357,7 +2357,7 @@
           <a:p>
             <a:pPr lvl="0"/>
             <a:fld id="{428E59DF-F9A7-45CE-8399-C79E79CD0A0A}" type="slidenum">
-              <a:t>‹#›</a:t>
+              <a:t>‹Nr.›</a:t>
             </a:fld>
             <a:endParaRPr lang="de-DE"/>
           </a:p>
@@ -2519,7 +2519,7 @@
           <a:p>
             <a:pPr lvl="0"/>
             <a:fld id="{32E3A4B9-CB0E-4BCE-965A-6882450B5A44}" type="slidenum">
-              <a:t>‹#›</a:t>
+              <a:t>‹Nr.›</a:t>
             </a:fld>
             <a:endParaRPr lang="de-DE"/>
           </a:p>
@@ -2647,7 +2647,7 @@
           <a:p>
             <a:pPr lvl="0"/>
             <a:fld id="{BBF9BF89-8DF7-462F-83A4-379B16AADBA8}" type="slidenum">
-              <a:t>‹#›</a:t>
+              <a:t>‹Nr.›</a:t>
             </a:fld>
             <a:endParaRPr lang="de-DE"/>
           </a:p>
@@ -2932,7 +2932,7 @@
           <a:p>
             <a:pPr lvl="0"/>
             <a:fld id="{559A422C-B82B-4A46-AF36-EC65498404E3}" type="slidenum">
-              <a:t>‹#›</a:t>
+              <a:t>‹Nr.›</a:t>
             </a:fld>
             <a:endParaRPr lang="de-DE"/>
           </a:p>
@@ -3174,7 +3174,7 @@
           <a:p>
             <a:pPr lvl="0"/>
             <a:fld id="{7C81FA7C-24F3-48DB-B8D8-D9C88B2EA174}" type="slidenum">
-              <a:t>‹#›</a:t>
+              <a:t>‹Nr.›</a:t>
             </a:fld>
             <a:endParaRPr lang="de-DE"/>
           </a:p>
@@ -3519,7 +3519,7 @@
           <a:p>
             <a:pPr lvl="0"/>
             <a:fld id="{874B1260-3206-49A4-AB81-18C63B89D944}" type="slidenum">
-              <a:t>‹#›</a:t>
+              <a:t>‹Nr.›</a:t>
             </a:fld>
             <a:endParaRPr lang="de-DE"/>
           </a:p>
@@ -4051,9 +4051,14 @@
           <a:p>
             <a:pPr lvl="0"/>
             <a:r>
-              <a:rPr lang="de-DE"/>
-              <a:t>Gradient boosting</a:t>
-            </a:r>
+              <a:rPr lang="de-DE" dirty="0"/>
+              <a:t>Gradient </a:t>
+            </a:r>
+            <a:r>
+              <a:rPr lang="de-DE" dirty="0" err="1"/>
+              <a:t>boosting</a:t>
+            </a:r>
+            <a:endParaRPr lang="de-DE" dirty="0"/>
           </a:p>
         </p:txBody>
       </p:sp>
@@ -4080,18 +4085,323 @@
           <a:p>
             <a:pPr lvl="0"/>
             <a:r>
+              <a:rPr lang="de-AT" dirty="0"/>
+              <a:t>The </a:t>
+            </a:r>
+            <a:r>
+              <a:rPr lang="de-AT" dirty="0" err="1"/>
+              <a:t>reslults</a:t>
+            </a:r>
+            <a:r>
+              <a:rPr lang="de-AT" dirty="0"/>
+              <a:t> </a:t>
+            </a:r>
+            <a:r>
+              <a:rPr lang="de-AT" dirty="0" err="1"/>
+              <a:t>of</a:t>
+            </a:r>
+            <a:r>
+              <a:rPr lang="de-AT" dirty="0"/>
+              <a:t> a </a:t>
+            </a:r>
+            <a:r>
+              <a:rPr lang="de-AT" dirty="0" err="1"/>
+              <a:t>model</a:t>
+            </a:r>
+            <a:r>
+              <a:rPr lang="de-AT" dirty="0"/>
+              <a:t> </a:t>
+            </a:r>
+            <a:r>
+              <a:rPr lang="de-AT" dirty="0" err="1"/>
+              <a:t>with</a:t>
+            </a:r>
+            <a:r>
+              <a:rPr lang="de-AT" dirty="0"/>
+              <a:t> 400 </a:t>
+            </a:r>
+            <a:r>
+              <a:rPr lang="de-AT" dirty="0" err="1"/>
+              <a:t>estimators</a:t>
+            </a:r>
+            <a:r>
+              <a:rPr lang="de-AT" dirty="0"/>
+              <a:t>, a </a:t>
+            </a:r>
+            <a:r>
+              <a:rPr lang="de-AT" dirty="0" err="1"/>
+              <a:t>learning</a:t>
+            </a:r>
+            <a:r>
+              <a:rPr lang="de-AT" dirty="0"/>
+              <a:t> rate </a:t>
+            </a:r>
+            <a:r>
+              <a:rPr lang="de-AT" dirty="0" err="1"/>
+              <a:t>of</a:t>
+            </a:r>
+            <a:r>
+              <a:rPr lang="de-AT" dirty="0"/>
+              <a:t> 0.1 and a </a:t>
+            </a:r>
+            <a:r>
+              <a:rPr lang="de-AT" dirty="0" err="1"/>
+              <a:t>max_depth</a:t>
+            </a:r>
+            <a:r>
+              <a:rPr lang="de-AT" dirty="0"/>
+              <a:t> </a:t>
+            </a:r>
+            <a:r>
+              <a:rPr lang="de-AT" dirty="0" err="1"/>
+              <a:t>of</a:t>
+            </a:r>
+            <a:r>
+              <a:rPr lang="de-AT" dirty="0"/>
+              <a:t> 4 </a:t>
+            </a:r>
+            <a:r>
+              <a:rPr lang="de-AT" dirty="0" err="1"/>
+              <a:t>is</a:t>
+            </a:r>
+            <a:r>
+              <a:rPr lang="de-AT" dirty="0"/>
+              <a:t> </a:t>
+            </a:r>
+            <a:r>
+              <a:rPr lang="de-AT" dirty="0" err="1"/>
+              <a:t>shown</a:t>
+            </a:r>
+            <a:r>
+              <a:rPr lang="de-AT" dirty="0"/>
+              <a:t> </a:t>
+            </a:r>
+            <a:r>
+              <a:rPr lang="de-AT" dirty="0" err="1"/>
+              <a:t>here</a:t>
+            </a:r>
+            <a:r>
               <a:rPr lang="de-AT"/>
-              <a:t>With 300 estimators, a learning rate of 0.1 and a max_depth of 3 the resulting confusion matrix and savings are: </a:t>
-            </a:r>
+              <a:t>:</a:t>
+            </a:r>
+            <a:endParaRPr lang="de-AT" dirty="0"/>
+          </a:p>
+          <a:p>
+            <a:pPr lvl="0"/>
+            <a:r>
+              <a:rPr lang="de-AT" dirty="0" err="1"/>
+              <a:t>We</a:t>
+            </a:r>
+            <a:r>
+              <a:rPr lang="de-AT" dirty="0"/>
+              <a:t> </a:t>
+            </a:r>
+            <a:r>
+              <a:rPr lang="de-AT" dirty="0" err="1"/>
+              <a:t>can</a:t>
+            </a:r>
+            <a:r>
+              <a:rPr lang="de-AT" dirty="0"/>
+              <a:t> </a:t>
+            </a:r>
+            <a:r>
+              <a:rPr lang="de-AT" dirty="0" err="1"/>
+              <a:t>see</a:t>
+            </a:r>
+            <a:r>
+              <a:rPr lang="de-AT" dirty="0"/>
+              <a:t> </a:t>
+            </a:r>
+            <a:r>
+              <a:rPr lang="de-AT" dirty="0" err="1"/>
+              <a:t>that</a:t>
+            </a:r>
+            <a:r>
+              <a:rPr lang="de-AT" dirty="0"/>
+              <a:t> </a:t>
+            </a:r>
+            <a:r>
+              <a:rPr lang="de-AT" dirty="0" err="1"/>
+              <a:t>the</a:t>
+            </a:r>
+            <a:r>
+              <a:rPr lang="de-AT" dirty="0"/>
+              <a:t> </a:t>
+            </a:r>
+            <a:r>
+              <a:rPr lang="de-AT" dirty="0" err="1"/>
+              <a:t>classifier</a:t>
+            </a:r>
+            <a:r>
+              <a:rPr lang="de-AT" dirty="0"/>
+              <a:t> was </a:t>
+            </a:r>
+            <a:r>
+              <a:rPr lang="de-AT" dirty="0" err="1"/>
+              <a:t>able</a:t>
+            </a:r>
+            <a:br>
+              <a:rPr lang="de-AT" dirty="0"/>
+            </a:br>
+            <a:r>
+              <a:rPr lang="de-AT" dirty="0" err="1"/>
+              <a:t>to</a:t>
+            </a:r>
+            <a:r>
+              <a:rPr lang="de-AT" dirty="0"/>
+              <a:t> </a:t>
+            </a:r>
+            <a:r>
+              <a:rPr lang="de-AT" dirty="0" err="1"/>
+              <a:t>detect</a:t>
+            </a:r>
+            <a:r>
+              <a:rPr lang="de-AT" dirty="0"/>
+              <a:t> </a:t>
+            </a:r>
+            <a:r>
+              <a:rPr lang="de-AT" dirty="0" err="1"/>
+              <a:t>some</a:t>
+            </a:r>
+            <a:r>
+              <a:rPr lang="de-AT" dirty="0"/>
+              <a:t> </a:t>
+            </a:r>
+            <a:r>
+              <a:rPr lang="de-AT" dirty="0" err="1"/>
+              <a:t>of</a:t>
+            </a:r>
+            <a:r>
+              <a:rPr lang="de-AT" dirty="0"/>
+              <a:t> </a:t>
+            </a:r>
+            <a:r>
+              <a:rPr lang="de-AT" dirty="0" err="1"/>
+              <a:t>the</a:t>
+            </a:r>
+            <a:r>
+              <a:rPr lang="de-AT" dirty="0"/>
+              <a:t> </a:t>
+            </a:r>
+            <a:r>
+              <a:rPr lang="de-AT" dirty="0" err="1"/>
+              <a:t>classes</a:t>
+            </a:r>
+            <a:r>
+              <a:rPr lang="de-AT" dirty="0"/>
+              <a:t> </a:t>
+            </a:r>
+            <a:r>
+              <a:rPr lang="de-AT" dirty="0" err="1"/>
+              <a:t>rather</a:t>
+            </a:r>
+            <a:br>
+              <a:rPr lang="de-AT" dirty="0"/>
+            </a:br>
+            <a:r>
+              <a:rPr lang="de-AT" dirty="0" err="1"/>
+              <a:t>good</a:t>
+            </a:r>
+            <a:r>
+              <a:rPr lang="de-AT" dirty="0"/>
+              <a:t>, but in </a:t>
+            </a:r>
+            <a:r>
+              <a:rPr lang="de-AT" dirty="0" err="1"/>
+              <a:t>comparison</a:t>
+            </a:r>
+            <a:r>
+              <a:rPr lang="de-AT" dirty="0"/>
+              <a:t> </a:t>
+            </a:r>
+            <a:r>
+              <a:rPr lang="de-AT" dirty="0" err="1"/>
+              <a:t>to</a:t>
+            </a:r>
+            <a:r>
+              <a:rPr lang="de-AT" dirty="0"/>
+              <a:t> </a:t>
+            </a:r>
+            <a:r>
+              <a:rPr lang="de-AT" dirty="0" err="1"/>
+              <a:t>some</a:t>
+            </a:r>
+            <a:r>
+              <a:rPr lang="de-AT" dirty="0"/>
+              <a:t> </a:t>
+            </a:r>
+            <a:r>
+              <a:rPr lang="de-AT" dirty="0" err="1"/>
+              <a:t>of</a:t>
+            </a:r>
+            <a:r>
+              <a:rPr lang="de-AT" dirty="0"/>
+              <a:t> </a:t>
+            </a:r>
+            <a:br>
+              <a:rPr lang="de-AT" dirty="0"/>
+            </a:br>
+            <a:r>
+              <a:rPr lang="de-AT" dirty="0" err="1"/>
+              <a:t>our</a:t>
+            </a:r>
+            <a:r>
+              <a:rPr lang="de-AT" dirty="0"/>
+              <a:t> </a:t>
+            </a:r>
+            <a:r>
+              <a:rPr lang="de-AT" dirty="0" err="1"/>
+              <a:t>other</a:t>
+            </a:r>
+            <a:r>
+              <a:rPr lang="de-AT" dirty="0"/>
+              <a:t> </a:t>
+            </a:r>
+            <a:r>
+              <a:rPr lang="de-AT" dirty="0" err="1"/>
+              <a:t>models</a:t>
+            </a:r>
+            <a:r>
+              <a:rPr lang="de-AT" dirty="0"/>
+              <a:t> </a:t>
+            </a:r>
+            <a:r>
+              <a:rPr lang="de-AT" dirty="0" err="1"/>
+              <a:t>the</a:t>
+            </a:r>
+            <a:r>
+              <a:rPr lang="de-AT" dirty="0"/>
+              <a:t> </a:t>
+            </a:r>
+            <a:r>
+              <a:rPr lang="de-AT" dirty="0" err="1"/>
+              <a:t>performance</a:t>
+            </a:r>
+            <a:r>
+              <a:rPr lang="de-AT" dirty="0"/>
+              <a:t> was</a:t>
+            </a:r>
+            <a:br>
+              <a:rPr lang="de-AT" dirty="0"/>
+            </a:br>
+            <a:r>
+              <a:rPr lang="de-AT" dirty="0" err="1"/>
+              <a:t>worse</a:t>
+            </a:r>
+            <a:endParaRPr lang="de-AT" dirty="0"/>
+          </a:p>
+          <a:p>
+            <a:pPr lvl="0"/>
+            <a:endParaRPr lang="de-AT" dirty="0"/>
           </a:p>
         </p:txBody>
       </p:sp>
       <p:pic>
         <p:nvPicPr>
-          <p:cNvPr id="4" name="Grafik 4">
-            <a:extLst>
-              <a:ext uri="{FF2B5EF4-FFF2-40B4-BE49-F238E27FC236}">
-                <a16:creationId xmlns:a16="http://schemas.microsoft.com/office/drawing/2014/main" id="{A8D6573D-30E7-A816-9146-4A9142980FB5}"/>
+          <p:cNvPr id="8" name="Grafik 7">
+            <a:extLst>
+              <a:ext uri="{FF2B5EF4-FFF2-40B4-BE49-F238E27FC236}">
+                <a16:creationId xmlns:a16="http://schemas.microsoft.com/office/drawing/2014/main" id="{D44E1061-38DB-3729-EBC0-EC4E452A9949}"/>
               </a:ext>
             </a:extLst>
           </p:cNvPr>
@@ -4108,16 +4418,12 @@
         </p:blipFill>
         <p:spPr>
           <a:xfrm>
-            <a:off x="3832204" y="2802407"/>
-            <a:ext cx="4104083" cy="3374556"/>
+            <a:off x="7437869" y="2756288"/>
+            <a:ext cx="3581822" cy="3060355"/>
           </a:xfrm>
           <a:prstGeom prst="rect">
             <a:avLst/>
           </a:prstGeom>
-          <a:noFill/>
-          <a:ln cap="flat">
-            <a:noFill/>
-          </a:ln>
         </p:spPr>
       </p:pic>
     </p:spTree>
@@ -7263,36 +7569,533 @@
           <a:p>
             <a:pPr lvl="0"/>
             <a:r>
-              <a:rPr lang="de-AT"/>
-              <a:t>To account for the inbalance of classes, sample weights were calculated to give a higher importance to samples of classes that don‘t occur that often</a:t>
-            </a:r>
-          </a:p>
-          <a:p>
-            <a:pPr lvl="0"/>
-            <a:r>
-              <a:rPr lang="de-AT"/>
-              <a:t>These class weights were calculated by taking the reciprocal value of the number of times each class occured in the data set</a:t>
-            </a:r>
-          </a:p>
-          <a:p>
-            <a:pPr lvl="0"/>
-            <a:r>
-              <a:rPr lang="de-AT"/>
-              <a:t>After deviding the weights by 2 and </a:t>
+              <a:rPr lang="de-AT" dirty="0" err="1"/>
+              <a:t>To</a:t>
+            </a:r>
+            <a:r>
+              <a:rPr lang="de-AT" dirty="0"/>
+              <a:t> </a:t>
+            </a:r>
+            <a:r>
+              <a:rPr lang="de-AT" dirty="0" err="1"/>
+              <a:t>account</a:t>
+            </a:r>
+            <a:r>
+              <a:rPr lang="de-AT" dirty="0"/>
+              <a:t> </a:t>
+            </a:r>
+            <a:r>
+              <a:rPr lang="de-AT" dirty="0" err="1"/>
+              <a:t>for</a:t>
+            </a:r>
+            <a:r>
+              <a:rPr lang="de-AT" dirty="0"/>
+              <a:t> </a:t>
+            </a:r>
+            <a:r>
+              <a:rPr lang="de-AT" dirty="0" err="1"/>
+              <a:t>the</a:t>
+            </a:r>
+            <a:r>
+              <a:rPr lang="de-AT" dirty="0"/>
+              <a:t> </a:t>
+            </a:r>
+            <a:r>
+              <a:rPr lang="de-AT" dirty="0" err="1"/>
+              <a:t>inbalance</a:t>
+            </a:r>
+            <a:r>
+              <a:rPr lang="de-AT" dirty="0"/>
+              <a:t> </a:t>
+            </a:r>
+            <a:r>
+              <a:rPr lang="de-AT" dirty="0" err="1"/>
+              <a:t>of</a:t>
+            </a:r>
+            <a:r>
+              <a:rPr lang="de-AT" dirty="0"/>
+              <a:t> </a:t>
+            </a:r>
+            <a:r>
+              <a:rPr lang="de-AT" dirty="0" err="1"/>
+              <a:t>classes</a:t>
+            </a:r>
+            <a:r>
+              <a:rPr lang="de-AT" dirty="0"/>
+              <a:t>, sample </a:t>
+            </a:r>
+            <a:r>
+              <a:rPr lang="de-AT" dirty="0" err="1"/>
+              <a:t>weights</a:t>
+            </a:r>
+            <a:r>
+              <a:rPr lang="de-AT" dirty="0"/>
+              <a:t> </a:t>
+            </a:r>
+            <a:r>
+              <a:rPr lang="de-AT" dirty="0" err="1"/>
+              <a:t>were</a:t>
+            </a:r>
+            <a:r>
+              <a:rPr lang="de-AT" dirty="0"/>
+              <a:t> </a:t>
+            </a:r>
+            <a:r>
+              <a:rPr lang="de-AT" dirty="0" err="1"/>
+              <a:t>calculated</a:t>
+            </a:r>
+            <a:r>
+              <a:rPr lang="de-AT" dirty="0"/>
+              <a:t> </a:t>
+            </a:r>
+            <a:r>
+              <a:rPr lang="de-AT" dirty="0" err="1"/>
+              <a:t>to</a:t>
+            </a:r>
+            <a:r>
+              <a:rPr lang="de-AT" dirty="0"/>
+              <a:t> </a:t>
+            </a:r>
+            <a:r>
+              <a:rPr lang="de-AT" dirty="0" err="1"/>
+              <a:t>give</a:t>
+            </a:r>
+            <a:r>
+              <a:rPr lang="de-AT" dirty="0"/>
+              <a:t> a </a:t>
+            </a:r>
+            <a:r>
+              <a:rPr lang="de-AT" dirty="0" err="1"/>
+              <a:t>higher</a:t>
+            </a:r>
+            <a:r>
+              <a:rPr lang="de-AT" dirty="0"/>
+              <a:t> </a:t>
+            </a:r>
+            <a:r>
+              <a:rPr lang="de-AT" dirty="0" err="1"/>
+              <a:t>importance</a:t>
+            </a:r>
+            <a:r>
+              <a:rPr lang="de-AT" dirty="0"/>
+              <a:t> </a:t>
+            </a:r>
+            <a:r>
+              <a:rPr lang="de-AT" dirty="0" err="1"/>
+              <a:t>to</a:t>
+            </a:r>
+            <a:r>
+              <a:rPr lang="de-AT" dirty="0"/>
+              <a:t> </a:t>
+            </a:r>
+            <a:r>
+              <a:rPr lang="de-AT" dirty="0" err="1"/>
+              <a:t>samples</a:t>
+            </a:r>
+            <a:r>
+              <a:rPr lang="de-AT" dirty="0"/>
+              <a:t> </a:t>
+            </a:r>
+            <a:r>
+              <a:rPr lang="de-AT" dirty="0" err="1"/>
+              <a:t>of</a:t>
+            </a:r>
+            <a:r>
+              <a:rPr lang="de-AT" dirty="0"/>
+              <a:t> </a:t>
+            </a:r>
+            <a:r>
+              <a:rPr lang="de-AT" dirty="0" err="1"/>
+              <a:t>classes</a:t>
+            </a:r>
+            <a:r>
+              <a:rPr lang="de-AT" dirty="0"/>
+              <a:t> </a:t>
+            </a:r>
+            <a:r>
+              <a:rPr lang="de-AT" dirty="0" err="1"/>
+              <a:t>that</a:t>
+            </a:r>
+            <a:r>
+              <a:rPr lang="de-AT" dirty="0"/>
+              <a:t> </a:t>
+            </a:r>
+            <a:r>
+              <a:rPr lang="de-AT" dirty="0" err="1"/>
+              <a:t>don‘t</a:t>
+            </a:r>
+            <a:r>
+              <a:rPr lang="de-AT" dirty="0"/>
+              <a:t> </a:t>
+            </a:r>
+            <a:r>
+              <a:rPr lang="de-AT" dirty="0" err="1"/>
+              <a:t>occur</a:t>
+            </a:r>
+            <a:r>
+              <a:rPr lang="de-AT" dirty="0"/>
+              <a:t> </a:t>
+            </a:r>
+            <a:r>
+              <a:rPr lang="de-AT" dirty="0" err="1"/>
+              <a:t>that</a:t>
+            </a:r>
+            <a:r>
+              <a:rPr lang="de-AT" dirty="0"/>
+              <a:t> </a:t>
+            </a:r>
+            <a:r>
+              <a:rPr lang="de-AT" dirty="0" err="1"/>
+              <a:t>often</a:t>
+            </a:r>
+            <a:endParaRPr lang="de-AT" dirty="0"/>
+          </a:p>
+          <a:p>
+            <a:pPr lvl="0"/>
+            <a:r>
+              <a:rPr lang="de-AT" dirty="0"/>
+              <a:t>These </a:t>
+            </a:r>
+            <a:r>
+              <a:rPr lang="de-AT" dirty="0" err="1"/>
+              <a:t>class</a:t>
+            </a:r>
+            <a:r>
+              <a:rPr lang="de-AT" dirty="0"/>
+              <a:t> </a:t>
+            </a:r>
+            <a:r>
+              <a:rPr lang="de-AT" dirty="0" err="1"/>
+              <a:t>weights</a:t>
+            </a:r>
+            <a:r>
+              <a:rPr lang="de-AT" dirty="0"/>
+              <a:t> </a:t>
+            </a:r>
+            <a:r>
+              <a:rPr lang="de-AT" dirty="0" err="1"/>
+              <a:t>were</a:t>
+            </a:r>
+            <a:r>
+              <a:rPr lang="de-AT" dirty="0"/>
+              <a:t> </a:t>
+            </a:r>
+            <a:r>
+              <a:rPr lang="de-AT" dirty="0" err="1"/>
+              <a:t>calculated</a:t>
+            </a:r>
+            <a:r>
+              <a:rPr lang="de-AT" dirty="0"/>
+              <a:t> </a:t>
+            </a:r>
+            <a:r>
+              <a:rPr lang="de-AT" dirty="0" err="1"/>
+              <a:t>by</a:t>
+            </a:r>
+            <a:r>
+              <a:rPr lang="de-AT" dirty="0"/>
+              <a:t> </a:t>
+            </a:r>
+            <a:r>
+              <a:rPr lang="de-AT" dirty="0" err="1"/>
+              <a:t>taking</a:t>
+            </a:r>
+            <a:r>
+              <a:rPr lang="de-AT" dirty="0"/>
+              <a:t> </a:t>
+            </a:r>
+            <a:r>
+              <a:rPr lang="de-AT" dirty="0" err="1"/>
+              <a:t>the</a:t>
+            </a:r>
+            <a:r>
+              <a:rPr lang="de-AT" dirty="0"/>
+              <a:t> </a:t>
+            </a:r>
+            <a:r>
+              <a:rPr lang="de-AT" dirty="0" err="1"/>
+              <a:t>reciprocal</a:t>
+            </a:r>
+            <a:r>
+              <a:rPr lang="de-AT" dirty="0"/>
+              <a:t> </a:t>
+            </a:r>
+            <a:r>
+              <a:rPr lang="de-AT" dirty="0" err="1"/>
+              <a:t>value</a:t>
+            </a:r>
+            <a:r>
+              <a:rPr lang="de-AT" dirty="0"/>
+              <a:t> </a:t>
+            </a:r>
+            <a:r>
+              <a:rPr lang="de-AT" dirty="0" err="1"/>
+              <a:t>of</a:t>
+            </a:r>
+            <a:r>
+              <a:rPr lang="de-AT" dirty="0"/>
+              <a:t> </a:t>
+            </a:r>
+            <a:r>
+              <a:rPr lang="de-AT" dirty="0" err="1"/>
+              <a:t>the</a:t>
+            </a:r>
+            <a:r>
+              <a:rPr lang="de-AT" dirty="0"/>
+              <a:t> </a:t>
+            </a:r>
+            <a:r>
+              <a:rPr lang="de-AT" dirty="0" err="1"/>
+              <a:t>number</a:t>
+            </a:r>
+            <a:r>
+              <a:rPr lang="de-AT" dirty="0"/>
+              <a:t> </a:t>
+            </a:r>
+            <a:r>
+              <a:rPr lang="de-AT" dirty="0" err="1"/>
+              <a:t>of</a:t>
+            </a:r>
+            <a:r>
+              <a:rPr lang="de-AT" dirty="0"/>
+              <a:t> </a:t>
+            </a:r>
+            <a:r>
+              <a:rPr lang="de-AT" dirty="0" err="1"/>
+              <a:t>times</a:t>
+            </a:r>
+            <a:r>
+              <a:rPr lang="de-AT" dirty="0"/>
+              <a:t> </a:t>
+            </a:r>
+            <a:r>
+              <a:rPr lang="de-AT" dirty="0" err="1"/>
+              <a:t>each</a:t>
+            </a:r>
+            <a:r>
+              <a:rPr lang="de-AT" dirty="0"/>
+              <a:t> </a:t>
+            </a:r>
+            <a:r>
+              <a:rPr lang="de-AT" dirty="0" err="1"/>
+              <a:t>class</a:t>
+            </a:r>
+            <a:r>
+              <a:rPr lang="de-AT" dirty="0"/>
+              <a:t> </a:t>
+            </a:r>
+            <a:r>
+              <a:rPr lang="de-AT" dirty="0" err="1"/>
+              <a:t>occured</a:t>
+            </a:r>
+            <a:r>
+              <a:rPr lang="de-AT" dirty="0"/>
+              <a:t> in </a:t>
+            </a:r>
+            <a:r>
+              <a:rPr lang="de-AT" dirty="0" err="1"/>
+              <a:t>the</a:t>
+            </a:r>
+            <a:r>
+              <a:rPr lang="de-AT" dirty="0"/>
+              <a:t> </a:t>
+            </a:r>
+            <a:r>
+              <a:rPr lang="de-AT" dirty="0" err="1"/>
+              <a:t>data</a:t>
+            </a:r>
+            <a:r>
+              <a:rPr lang="de-AT" dirty="0"/>
+              <a:t> </a:t>
+            </a:r>
+            <a:r>
+              <a:rPr lang="de-AT" dirty="0" err="1"/>
+              <a:t>set</a:t>
+            </a:r>
+            <a:endParaRPr lang="de-AT" dirty="0"/>
+          </a:p>
+          <a:p>
+            <a:pPr lvl="0"/>
+            <a:r>
+              <a:rPr lang="de-AT" dirty="0"/>
+              <a:t>After </a:t>
+            </a:r>
+            <a:r>
+              <a:rPr lang="de-AT" dirty="0" err="1"/>
+              <a:t>deviding</a:t>
+            </a:r>
+            <a:r>
+              <a:rPr lang="de-AT" dirty="0"/>
+              <a:t> </a:t>
+            </a:r>
+            <a:r>
+              <a:rPr lang="de-AT" dirty="0" err="1"/>
+              <a:t>the</a:t>
+            </a:r>
+            <a:r>
+              <a:rPr lang="de-AT" dirty="0"/>
+              <a:t> </a:t>
+            </a:r>
+            <a:r>
+              <a:rPr lang="de-AT" dirty="0" err="1"/>
+              <a:t>weights</a:t>
+            </a:r>
+            <a:r>
+              <a:rPr lang="de-AT" dirty="0"/>
+              <a:t> </a:t>
+            </a:r>
+            <a:r>
+              <a:rPr lang="de-AT" dirty="0" err="1"/>
+              <a:t>by</a:t>
+            </a:r>
+            <a:r>
+              <a:rPr lang="de-AT" dirty="0"/>
+              <a:t> 2 and </a:t>
             </a:r>
             <a:br>
-              <a:rPr lang="de-AT"/>
+              <a:rPr lang="de-AT" dirty="0"/>
             </a:br>
             <a:r>
-              <a:rPr lang="de-AT"/>
-              <a:t>setting the weight for class 2 to 2 the </a:t>
+              <a:rPr lang="de-AT" dirty="0" err="1"/>
+              <a:t>setting</a:t>
+            </a:r>
+            <a:r>
+              <a:rPr lang="de-AT" dirty="0"/>
+              <a:t> </a:t>
+            </a:r>
+            <a:r>
+              <a:rPr lang="de-AT" dirty="0" err="1"/>
+              <a:t>the</a:t>
+            </a:r>
+            <a:r>
+              <a:rPr lang="de-AT" dirty="0"/>
+              <a:t> </a:t>
+            </a:r>
+            <a:r>
+              <a:rPr lang="de-AT" dirty="0" err="1"/>
+              <a:t>weight</a:t>
+            </a:r>
+            <a:r>
+              <a:rPr lang="de-AT" dirty="0"/>
+              <a:t> </a:t>
+            </a:r>
+            <a:r>
+              <a:rPr lang="de-AT" dirty="0" err="1"/>
+              <a:t>for</a:t>
+            </a:r>
+            <a:r>
+              <a:rPr lang="de-AT" dirty="0"/>
+              <a:t> </a:t>
+            </a:r>
+            <a:r>
+              <a:rPr lang="de-AT" dirty="0" err="1"/>
+              <a:t>class</a:t>
+            </a:r>
+            <a:r>
+              <a:rPr lang="de-AT" dirty="0"/>
+              <a:t> 0 </a:t>
+            </a:r>
+            <a:r>
+              <a:rPr lang="de-AT" dirty="0" err="1"/>
+              <a:t>to</a:t>
+            </a:r>
+            <a:r>
+              <a:rPr lang="de-AT" dirty="0"/>
+              <a:t> 2 (</a:t>
+            </a:r>
+            <a:r>
+              <a:rPr lang="de-AT" dirty="0" err="1"/>
+              <a:t>as</a:t>
+            </a:r>
+            <a:r>
+              <a:rPr lang="de-AT" dirty="0"/>
+              <a:t> </a:t>
             </a:r>
             <a:br>
-              <a:rPr lang="de-AT"/>
+              <a:rPr lang="de-AT" dirty="0"/>
             </a:br>
             <a:r>
-              <a:rPr lang="de-AT"/>
-              <a:t>resulting weights are:</a:t>
+              <a:rPr lang="de-AT" dirty="0" err="1"/>
+              <a:t>this</a:t>
+            </a:r>
+            <a:r>
+              <a:rPr lang="de-AT" dirty="0"/>
+              <a:t> </a:t>
+            </a:r>
+            <a:r>
+              <a:rPr lang="de-AT" dirty="0" err="1"/>
+              <a:t>seemed</a:t>
+            </a:r>
+            <a:r>
+              <a:rPr lang="de-AT" dirty="0"/>
+              <a:t> </a:t>
+            </a:r>
+            <a:r>
+              <a:rPr lang="de-AT" dirty="0" err="1"/>
+              <a:t>to</a:t>
+            </a:r>
+            <a:r>
+              <a:rPr lang="de-AT" dirty="0"/>
+              <a:t> </a:t>
+            </a:r>
+            <a:r>
+              <a:rPr lang="de-AT" dirty="0" err="1"/>
+              <a:t>give</a:t>
+            </a:r>
+            <a:r>
+              <a:rPr lang="de-AT" dirty="0"/>
+              <a:t> </a:t>
+            </a:r>
+            <a:r>
+              <a:rPr lang="de-AT" dirty="0" err="1"/>
+              <a:t>better</a:t>
+            </a:r>
+            <a:r>
+              <a:rPr lang="de-AT" dirty="0"/>
+              <a:t> </a:t>
+            </a:r>
+            <a:r>
+              <a:rPr lang="de-AT" dirty="0" err="1"/>
+              <a:t>results</a:t>
+            </a:r>
+            <a:r>
+              <a:rPr lang="de-AT" dirty="0"/>
+              <a:t>) </a:t>
+            </a:r>
+            <a:r>
+              <a:rPr lang="de-AT" dirty="0" err="1"/>
+              <a:t>the</a:t>
+            </a:r>
+            <a:r>
+              <a:rPr lang="de-AT" dirty="0"/>
+              <a:t> </a:t>
+            </a:r>
+            <a:br>
+              <a:rPr lang="de-AT" dirty="0"/>
+            </a:br>
+            <a:r>
+              <a:rPr lang="de-AT" dirty="0" err="1"/>
+              <a:t>resulting</a:t>
+            </a:r>
+            <a:r>
+              <a:rPr lang="de-AT" dirty="0"/>
+              <a:t> </a:t>
+            </a:r>
+            <a:r>
+              <a:rPr lang="de-AT" dirty="0" err="1"/>
+              <a:t>weights</a:t>
+            </a:r>
+            <a:r>
+              <a:rPr lang="de-AT" dirty="0"/>
+              <a:t> </a:t>
+            </a:r>
+            <a:r>
+              <a:rPr lang="de-AT" dirty="0" err="1"/>
+              <a:t>are</a:t>
+            </a:r>
+            <a:r>
+              <a:rPr lang="de-AT" dirty="0"/>
+              <a:t>:</a:t>
             </a:r>
           </a:p>
         </p:txBody>
